--- a/Presenatation.pptx
+++ b/Presenatation.pptx
@@ -5,35 +5,37 @@
     <p:sldMasterId id="2147483648" r:id="rId1"/>
   </p:sldMasterIdLst>
   <p:notesMasterIdLst>
-    <p:notesMasterId r:id="rId28"/>
+    <p:notesMasterId r:id="rId30"/>
   </p:notesMasterIdLst>
   <p:sldIdLst>
     <p:sldId id="256" r:id="rId2"/>
     <p:sldId id="257" r:id="rId3"/>
     <p:sldId id="258" r:id="rId4"/>
-    <p:sldId id="261" r:id="rId5"/>
-    <p:sldId id="259" r:id="rId6"/>
-    <p:sldId id="260" r:id="rId7"/>
-    <p:sldId id="262" r:id="rId8"/>
-    <p:sldId id="263" r:id="rId9"/>
-    <p:sldId id="264" r:id="rId10"/>
-    <p:sldId id="265" r:id="rId11"/>
-    <p:sldId id="266" r:id="rId12"/>
-    <p:sldId id="267" r:id="rId13"/>
-    <p:sldId id="270" r:id="rId14"/>
-    <p:sldId id="268" r:id="rId15"/>
-    <p:sldId id="281" r:id="rId16"/>
-    <p:sldId id="269" r:id="rId17"/>
-    <p:sldId id="271" r:id="rId18"/>
-    <p:sldId id="272" r:id="rId19"/>
-    <p:sldId id="280" r:id="rId20"/>
-    <p:sldId id="273" r:id="rId21"/>
-    <p:sldId id="274" r:id="rId22"/>
-    <p:sldId id="275" r:id="rId23"/>
-    <p:sldId id="276" r:id="rId24"/>
-    <p:sldId id="277" r:id="rId25"/>
-    <p:sldId id="278" r:id="rId26"/>
-    <p:sldId id="279" r:id="rId27"/>
+    <p:sldId id="282" r:id="rId5"/>
+    <p:sldId id="283" r:id="rId6"/>
+    <p:sldId id="261" r:id="rId7"/>
+    <p:sldId id="259" r:id="rId8"/>
+    <p:sldId id="260" r:id="rId9"/>
+    <p:sldId id="262" r:id="rId10"/>
+    <p:sldId id="263" r:id="rId11"/>
+    <p:sldId id="264" r:id="rId12"/>
+    <p:sldId id="265" r:id="rId13"/>
+    <p:sldId id="266" r:id="rId14"/>
+    <p:sldId id="267" r:id="rId15"/>
+    <p:sldId id="270" r:id="rId16"/>
+    <p:sldId id="268" r:id="rId17"/>
+    <p:sldId id="281" r:id="rId18"/>
+    <p:sldId id="269" r:id="rId19"/>
+    <p:sldId id="271" r:id="rId20"/>
+    <p:sldId id="272" r:id="rId21"/>
+    <p:sldId id="280" r:id="rId22"/>
+    <p:sldId id="273" r:id="rId23"/>
+    <p:sldId id="274" r:id="rId24"/>
+    <p:sldId id="275" r:id="rId25"/>
+    <p:sldId id="276" r:id="rId26"/>
+    <p:sldId id="277" r:id="rId27"/>
+    <p:sldId id="278" r:id="rId28"/>
+    <p:sldId id="279" r:id="rId29"/>
   </p:sldIdLst>
   <p:sldSz cx="12192000" cy="6858000"/>
   <p:notesSz cx="6858000" cy="9144000"/>
@@ -222,7 +224,7 @@
           <a:p>
             <a:fld id="{7B5EA971-9EE2-468A-821E-570534297B4E}" type="datetimeFigureOut">
               <a:rPr lang="en-GB" smtClean="0"/>
-              <a:t>27/04/2022</a:t>
+              <a:t>29/04/2022</a:t>
             </a:fld>
             <a:endParaRPr lang="en-GB"/>
           </a:p>
@@ -555,7 +557,7 @@
           <a:p>
             <a:fld id="{5B2AA005-631C-4249-B12F-A7A1126047B4}" type="slidenum">
               <a:rPr lang="en-GB" smtClean="0"/>
-              <a:t>13</a:t>
+              <a:t>15</a:t>
             </a:fld>
             <a:endParaRPr lang="en-GB"/>
           </a:p>
@@ -723,7 +725,7 @@
           <a:p>
             <a:fld id="{F1123942-504C-461A-9797-7A31D7D5396F}" type="datetimeFigureOut">
               <a:rPr lang="en-GB" smtClean="0"/>
-              <a:t>27/04/2022</a:t>
+              <a:t>29/04/2022</a:t>
             </a:fld>
             <a:endParaRPr lang="en-GB"/>
           </a:p>
@@ -923,7 +925,7 @@
           <a:p>
             <a:fld id="{F1123942-504C-461A-9797-7A31D7D5396F}" type="datetimeFigureOut">
               <a:rPr lang="en-GB" smtClean="0"/>
-              <a:t>27/04/2022</a:t>
+              <a:t>29/04/2022</a:t>
             </a:fld>
             <a:endParaRPr lang="en-GB"/>
           </a:p>
@@ -1133,7 +1135,7 @@
           <a:p>
             <a:fld id="{F1123942-504C-461A-9797-7A31D7D5396F}" type="datetimeFigureOut">
               <a:rPr lang="en-GB" smtClean="0"/>
-              <a:t>27/04/2022</a:t>
+              <a:t>29/04/2022</a:t>
             </a:fld>
             <a:endParaRPr lang="en-GB"/>
           </a:p>
@@ -1333,7 +1335,7 @@
           <a:p>
             <a:fld id="{F1123942-504C-461A-9797-7A31D7D5396F}" type="datetimeFigureOut">
               <a:rPr lang="en-GB" smtClean="0"/>
-              <a:t>27/04/2022</a:t>
+              <a:t>29/04/2022</a:t>
             </a:fld>
             <a:endParaRPr lang="en-GB"/>
           </a:p>
@@ -1609,7 +1611,7 @@
           <a:p>
             <a:fld id="{F1123942-504C-461A-9797-7A31D7D5396F}" type="datetimeFigureOut">
               <a:rPr lang="en-GB" smtClean="0"/>
-              <a:t>27/04/2022</a:t>
+              <a:t>29/04/2022</a:t>
             </a:fld>
             <a:endParaRPr lang="en-GB"/>
           </a:p>
@@ -1877,7 +1879,7 @@
           <a:p>
             <a:fld id="{F1123942-504C-461A-9797-7A31D7D5396F}" type="datetimeFigureOut">
               <a:rPr lang="en-GB" smtClean="0"/>
-              <a:t>27/04/2022</a:t>
+              <a:t>29/04/2022</a:t>
             </a:fld>
             <a:endParaRPr lang="en-GB"/>
           </a:p>
@@ -2292,7 +2294,7 @@
           <a:p>
             <a:fld id="{F1123942-504C-461A-9797-7A31D7D5396F}" type="datetimeFigureOut">
               <a:rPr lang="en-GB" smtClean="0"/>
-              <a:t>27/04/2022</a:t>
+              <a:t>29/04/2022</a:t>
             </a:fld>
             <a:endParaRPr lang="en-GB"/>
           </a:p>
@@ -2434,7 +2436,7 @@
           <a:p>
             <a:fld id="{F1123942-504C-461A-9797-7A31D7D5396F}" type="datetimeFigureOut">
               <a:rPr lang="en-GB" smtClean="0"/>
-              <a:t>27/04/2022</a:t>
+              <a:t>29/04/2022</a:t>
             </a:fld>
             <a:endParaRPr lang="en-GB"/>
           </a:p>
@@ -2547,7 +2549,7 @@
           <a:p>
             <a:fld id="{F1123942-504C-461A-9797-7A31D7D5396F}" type="datetimeFigureOut">
               <a:rPr lang="en-GB" smtClean="0"/>
-              <a:t>27/04/2022</a:t>
+              <a:t>29/04/2022</a:t>
             </a:fld>
             <a:endParaRPr lang="en-GB"/>
           </a:p>
@@ -2860,7 +2862,7 @@
           <a:p>
             <a:fld id="{F1123942-504C-461A-9797-7A31D7D5396F}" type="datetimeFigureOut">
               <a:rPr lang="en-GB" smtClean="0"/>
-              <a:t>27/04/2022</a:t>
+              <a:t>29/04/2022</a:t>
             </a:fld>
             <a:endParaRPr lang="en-GB"/>
           </a:p>
@@ -3149,7 +3151,7 @@
           <a:p>
             <a:fld id="{F1123942-504C-461A-9797-7A31D7D5396F}" type="datetimeFigureOut">
               <a:rPr lang="en-GB" smtClean="0"/>
-              <a:t>27/04/2022</a:t>
+              <a:t>29/04/2022</a:t>
             </a:fld>
             <a:endParaRPr lang="en-GB"/>
           </a:p>
@@ -3392,7 +3394,7 @@
           <a:p>
             <a:fld id="{F1123942-504C-461A-9797-7A31D7D5396F}" type="datetimeFigureOut">
               <a:rPr lang="en-GB" smtClean="0"/>
-              <a:t>27/04/2022</a:t>
+              <a:t>29/04/2022</a:t>
             </a:fld>
             <a:endParaRPr lang="en-GB"/>
           </a:p>
@@ -3982,6 +3984,1000 @@
           <p:cNvPr id="2" name="Title 1">
             <a:extLst>
               <a:ext uri="{FF2B5EF4-FFF2-40B4-BE49-F238E27FC236}">
+                <a16:creationId xmlns:a16="http://schemas.microsoft.com/office/drawing/2014/main" id="{D5E93D64-AE6F-4DFF-BC08-68B29FCCE340}"/>
+              </a:ext>
+            </a:extLst>
+          </p:cNvPr>
+          <p:cNvSpPr>
+            <a:spLocks noGrp="1"/>
+          </p:cNvSpPr>
+          <p:nvPr>
+            <p:ph type="title"/>
+          </p:nvPr>
+        </p:nvSpPr>
+        <p:spPr/>
+        <p:txBody>
+          <a:bodyPr/>
+          <a:lstStyle/>
+          <a:p>
+            <a:r>
+              <a:rPr lang="en-GB" dirty="0"/>
+              <a:t>nuclear</a:t>
+            </a:r>
+          </a:p>
+        </p:txBody>
+      </p:sp>
+      <p:pic>
+        <p:nvPicPr>
+          <p:cNvPr id="5" name="Content Placeholder 4" descr="A picture containing chime&#10;&#10;Description automatically generated">
+            <a:extLst>
+              <a:ext uri="{FF2B5EF4-FFF2-40B4-BE49-F238E27FC236}">
+                <a16:creationId xmlns:a16="http://schemas.microsoft.com/office/drawing/2014/main" id="{BFCC71B4-0C0B-4611-9F92-FFC14D7B33ED}"/>
+              </a:ext>
+            </a:extLst>
+          </p:cNvPr>
+          <p:cNvPicPr>
+            <a:picLocks noGrp="1" noChangeAspect="1"/>
+          </p:cNvPicPr>
+          <p:nvPr>
+            <p:ph idx="1"/>
+          </p:nvPr>
+        </p:nvPicPr>
+        <p:blipFill>
+          <a:blip r:embed="rId2">
+            <a:extLst>
+              <a:ext uri="{28A0092B-C50C-407E-A947-70E740481C1C}">
+                <a14:useLocalDpi xmlns:a14="http://schemas.microsoft.com/office/drawing/2010/main" val="0"/>
+              </a:ext>
+            </a:extLst>
+          </a:blip>
+          <a:stretch>
+            <a:fillRect/>
+          </a:stretch>
+        </p:blipFill>
+        <p:spPr>
+          <a:xfrm>
+            <a:off x="405662" y="1958713"/>
+            <a:ext cx="5485714" cy="3657143"/>
+          </a:xfrm>
+        </p:spPr>
+      </p:pic>
+      <p:pic>
+        <p:nvPicPr>
+          <p:cNvPr id="7" name="Picture 6" descr="Chart&#10;&#10;Description automatically generated">
+            <a:extLst>
+              <a:ext uri="{FF2B5EF4-FFF2-40B4-BE49-F238E27FC236}">
+                <a16:creationId xmlns:a16="http://schemas.microsoft.com/office/drawing/2014/main" id="{6E32A91B-F609-47EF-A11F-2103A245B286}"/>
+              </a:ext>
+            </a:extLst>
+          </p:cNvPr>
+          <p:cNvPicPr>
+            <a:picLocks noChangeAspect="1"/>
+          </p:cNvPicPr>
+          <p:nvPr/>
+        </p:nvPicPr>
+        <p:blipFill>
+          <a:blip r:embed="rId3">
+            <a:extLst>
+              <a:ext uri="{28A0092B-C50C-407E-A947-70E740481C1C}">
+                <a14:useLocalDpi xmlns:a14="http://schemas.microsoft.com/office/drawing/2010/main" val="0"/>
+              </a:ext>
+            </a:extLst>
+          </a:blip>
+          <a:stretch>
+            <a:fillRect/>
+          </a:stretch>
+        </p:blipFill>
+        <p:spPr>
+          <a:xfrm>
+            <a:off x="6096000" y="1690688"/>
+            <a:ext cx="5485714" cy="3657143"/>
+          </a:xfrm>
+          <a:prstGeom prst="rect">
+            <a:avLst/>
+          </a:prstGeom>
+        </p:spPr>
+      </p:pic>
+      <p:graphicFrame>
+        <p:nvGraphicFramePr>
+          <p:cNvPr id="8" name="Table 7">
+            <a:extLst>
+              <a:ext uri="{FF2B5EF4-FFF2-40B4-BE49-F238E27FC236}">
+                <a16:creationId xmlns:a16="http://schemas.microsoft.com/office/drawing/2014/main" id="{7CE6A29C-184D-446A-A14B-AD54E83DAFD6}"/>
+              </a:ext>
+            </a:extLst>
+          </p:cNvPr>
+          <p:cNvGraphicFramePr>
+            <a:graphicFrameLocks noGrp="1"/>
+          </p:cNvGraphicFramePr>
+          <p:nvPr>
+            <p:extLst>
+              <p:ext uri="{D42A27DB-BD31-4B8C-83A1-F6EECF244321}">
+                <p14:modId xmlns:p14="http://schemas.microsoft.com/office/powerpoint/2010/main" val="3153438334"/>
+              </p:ext>
+            </p:extLst>
+          </p:nvPr>
+        </p:nvGraphicFramePr>
+        <p:xfrm>
+          <a:off x="4578284" y="5883881"/>
+          <a:ext cx="3657600" cy="533400"/>
+        </p:xfrm>
+        <a:graphic>
+          <a:graphicData uri="http://schemas.openxmlformats.org/drawingml/2006/table">
+            <a:tbl>
+              <a:tblPr>
+                <a:tableStyleId>{5C22544A-7EE6-4342-B048-85BDC9FD1C3A}</a:tableStyleId>
+              </a:tblPr>
+              <a:tblGrid>
+                <a:gridCol w="609600">
+                  <a:extLst>
+                    <a:ext uri="{9D8B030D-6E8A-4147-A177-3AD203B41FA5}">
+                      <a16:colId xmlns:a16="http://schemas.microsoft.com/office/drawing/2014/main" val="92701611"/>
+                    </a:ext>
+                  </a:extLst>
+                </a:gridCol>
+                <a:gridCol w="609600">
+                  <a:extLst>
+                    <a:ext uri="{9D8B030D-6E8A-4147-A177-3AD203B41FA5}">
+                      <a16:colId xmlns:a16="http://schemas.microsoft.com/office/drawing/2014/main" val="2958779066"/>
+                    </a:ext>
+                  </a:extLst>
+                </a:gridCol>
+                <a:gridCol w="609600">
+                  <a:extLst>
+                    <a:ext uri="{9D8B030D-6E8A-4147-A177-3AD203B41FA5}">
+                      <a16:colId xmlns:a16="http://schemas.microsoft.com/office/drawing/2014/main" val="1358270989"/>
+                    </a:ext>
+                  </a:extLst>
+                </a:gridCol>
+                <a:gridCol w="609600">
+                  <a:extLst>
+                    <a:ext uri="{9D8B030D-6E8A-4147-A177-3AD203B41FA5}">
+                      <a16:colId xmlns:a16="http://schemas.microsoft.com/office/drawing/2014/main" val="948138584"/>
+                    </a:ext>
+                  </a:extLst>
+                </a:gridCol>
+                <a:gridCol w="609600">
+                  <a:extLst>
+                    <a:ext uri="{9D8B030D-6E8A-4147-A177-3AD203B41FA5}">
+                      <a16:colId xmlns:a16="http://schemas.microsoft.com/office/drawing/2014/main" val="3191888280"/>
+                    </a:ext>
+                  </a:extLst>
+                </a:gridCol>
+                <a:gridCol w="609600">
+                  <a:extLst>
+                    <a:ext uri="{9D8B030D-6E8A-4147-A177-3AD203B41FA5}">
+                      <a16:colId xmlns:a16="http://schemas.microsoft.com/office/drawing/2014/main" val="3699011699"/>
+                    </a:ext>
+                  </a:extLst>
+                </a:gridCol>
+              </a:tblGrid>
+              <a:tr h="190500">
+                <a:tc>
+                  <a:txBody>
+                    <a:bodyPr/>
+                    <a:lstStyle/>
+                    <a:p>
+                      <a:pPr algn="r" fontAlgn="ctr"/>
+                      <a:r>
+                        <a:rPr lang="en-GB" sz="1000" u="none" strike="noStrike">
+                          <a:effectLst/>
+                        </a:rPr>
+                        <a:t> </a:t>
+                      </a:r>
+                      <a:endParaRPr lang="en-GB" sz="1000" b="0" i="0" u="none" strike="noStrike">
+                        <a:solidFill>
+                          <a:srgbClr val="000000"/>
+                        </a:solidFill>
+                        <a:effectLst/>
+                        <a:latin typeface="Times New Roman" panose="02020603050405020304" pitchFamily="18" charset="0"/>
+                      </a:endParaRPr>
+                    </a:p>
+                  </a:txBody>
+                  <a:tcPr marL="7620" marR="7620" marT="7620" marB="0" anchor="ctr"/>
+                </a:tc>
+                <a:tc>
+                  <a:txBody>
+                    <a:bodyPr/>
+                    <a:lstStyle/>
+                    <a:p>
+                      <a:pPr algn="r" fontAlgn="ctr"/>
+                      <a:r>
+                        <a:rPr lang="en-GB" sz="1000" u="none" strike="noStrike">
+                          <a:effectLst/>
+                        </a:rPr>
+                        <a:t>Mean</a:t>
+                      </a:r>
+                      <a:endParaRPr lang="en-GB" sz="1000" b="0" i="0" u="none" strike="noStrike">
+                        <a:solidFill>
+                          <a:srgbClr val="000000"/>
+                        </a:solidFill>
+                        <a:effectLst/>
+                        <a:latin typeface="Times New Roman" panose="02020603050405020304" pitchFamily="18" charset="0"/>
+                      </a:endParaRPr>
+                    </a:p>
+                  </a:txBody>
+                  <a:tcPr marL="7620" marR="7620" marT="7620" marB="0" anchor="ctr"/>
+                </a:tc>
+                <a:tc>
+                  <a:txBody>
+                    <a:bodyPr/>
+                    <a:lstStyle/>
+                    <a:p>
+                      <a:pPr algn="r" fontAlgn="ctr"/>
+                      <a:r>
+                        <a:rPr lang="en-GB" sz="1000" u="none" strike="noStrike">
+                          <a:effectLst/>
+                        </a:rPr>
+                        <a:t>Std</a:t>
+                      </a:r>
+                      <a:endParaRPr lang="en-GB" sz="1000" b="0" i="0" u="none" strike="noStrike">
+                        <a:solidFill>
+                          <a:srgbClr val="000000"/>
+                        </a:solidFill>
+                        <a:effectLst/>
+                        <a:latin typeface="Times New Roman" panose="02020603050405020304" pitchFamily="18" charset="0"/>
+                      </a:endParaRPr>
+                    </a:p>
+                  </a:txBody>
+                  <a:tcPr marL="7620" marR="7620" marT="7620" marB="0" anchor="ctr"/>
+                </a:tc>
+                <a:tc>
+                  <a:txBody>
+                    <a:bodyPr/>
+                    <a:lstStyle/>
+                    <a:p>
+                      <a:pPr algn="r" fontAlgn="ctr"/>
+                      <a:r>
+                        <a:rPr lang="en-GB" sz="1000" u="none" strike="noStrike">
+                          <a:effectLst/>
+                        </a:rPr>
+                        <a:t>Skew</a:t>
+                      </a:r>
+                      <a:endParaRPr lang="en-GB" sz="1000" b="0" i="0" u="none" strike="noStrike">
+                        <a:solidFill>
+                          <a:srgbClr val="000000"/>
+                        </a:solidFill>
+                        <a:effectLst/>
+                        <a:latin typeface="Times New Roman" panose="02020603050405020304" pitchFamily="18" charset="0"/>
+                      </a:endParaRPr>
+                    </a:p>
+                  </a:txBody>
+                  <a:tcPr marL="7620" marR="7620" marT="7620" marB="0" anchor="ctr"/>
+                </a:tc>
+                <a:tc>
+                  <a:txBody>
+                    <a:bodyPr/>
+                    <a:lstStyle/>
+                    <a:p>
+                      <a:pPr algn="r" fontAlgn="ctr"/>
+                      <a:r>
+                        <a:rPr lang="en-GB" sz="1000" u="none" strike="noStrike">
+                          <a:effectLst/>
+                        </a:rPr>
+                        <a:t>Kurtosis</a:t>
+                      </a:r>
+                      <a:endParaRPr lang="en-GB" sz="1000" b="0" i="0" u="none" strike="noStrike">
+                        <a:solidFill>
+                          <a:srgbClr val="000000"/>
+                        </a:solidFill>
+                        <a:effectLst/>
+                        <a:latin typeface="Times New Roman" panose="02020603050405020304" pitchFamily="18" charset="0"/>
+                      </a:endParaRPr>
+                    </a:p>
+                  </a:txBody>
+                  <a:tcPr marL="7620" marR="7620" marT="7620" marB="0" anchor="ctr"/>
+                </a:tc>
+                <a:tc>
+                  <a:txBody>
+                    <a:bodyPr/>
+                    <a:lstStyle/>
+                    <a:p>
+                      <a:pPr algn="r" fontAlgn="ctr"/>
+                      <a:r>
+                        <a:rPr lang="en-GB" sz="1000" u="none" strike="noStrike">
+                          <a:effectLst/>
+                        </a:rPr>
+                        <a:t>Variation</a:t>
+                      </a:r>
+                      <a:endParaRPr lang="en-GB" sz="1000" b="0" i="0" u="none" strike="noStrike">
+                        <a:solidFill>
+                          <a:srgbClr val="000000"/>
+                        </a:solidFill>
+                        <a:effectLst/>
+                        <a:latin typeface="Times New Roman" panose="02020603050405020304" pitchFamily="18" charset="0"/>
+                      </a:endParaRPr>
+                    </a:p>
+                  </a:txBody>
+                  <a:tcPr marL="7620" marR="7620" marT="7620" marB="0" anchor="ctr"/>
+                </a:tc>
+                <a:extLst>
+                  <a:ext uri="{0D108BD9-81ED-4DB2-BD59-A6C34878D82A}">
+                    <a16:rowId xmlns:a16="http://schemas.microsoft.com/office/drawing/2014/main" val="3075935897"/>
+                  </a:ext>
+                </a:extLst>
+              </a:tr>
+              <a:tr h="342900">
+                <a:tc>
+                  <a:txBody>
+                    <a:bodyPr/>
+                    <a:lstStyle/>
+                    <a:p>
+                      <a:pPr algn="r" fontAlgn="ctr"/>
+                      <a:r>
+                        <a:rPr lang="en-GB" sz="1000" u="none" strike="noStrike">
+                          <a:effectLst/>
+                        </a:rPr>
+                        <a:t>Nuclear</a:t>
+                      </a:r>
+                      <a:endParaRPr lang="en-GB" sz="1000" b="0" i="0" u="none" strike="noStrike">
+                        <a:solidFill>
+                          <a:srgbClr val="000000"/>
+                        </a:solidFill>
+                        <a:effectLst/>
+                        <a:latin typeface="Times New Roman" panose="02020603050405020304" pitchFamily="18" charset="0"/>
+                      </a:endParaRPr>
+                    </a:p>
+                  </a:txBody>
+                  <a:tcPr marL="7620" marR="7620" marT="7620" marB="0" anchor="ctr"/>
+                </a:tc>
+                <a:tc>
+                  <a:txBody>
+                    <a:bodyPr/>
+                    <a:lstStyle/>
+                    <a:p>
+                      <a:pPr algn="r" fontAlgn="ctr"/>
+                      <a:r>
+                        <a:rPr lang="en-GB" sz="1000" u="none" strike="noStrike">
+                          <a:effectLst/>
+                        </a:rPr>
+                        <a:t>1319</a:t>
+                      </a:r>
+                      <a:endParaRPr lang="en-GB" sz="1000" b="0" i="0" u="none" strike="noStrike">
+                        <a:solidFill>
+                          <a:srgbClr val="000000"/>
+                        </a:solidFill>
+                        <a:effectLst/>
+                        <a:latin typeface="Times New Roman" panose="02020603050405020304" pitchFamily="18" charset="0"/>
+                      </a:endParaRPr>
+                    </a:p>
+                  </a:txBody>
+                  <a:tcPr marL="7620" marR="7620" marT="7620" marB="0" anchor="ctr"/>
+                </a:tc>
+                <a:tc>
+                  <a:txBody>
+                    <a:bodyPr/>
+                    <a:lstStyle/>
+                    <a:p>
+                      <a:pPr algn="r" fontAlgn="ctr"/>
+                      <a:r>
+                        <a:rPr lang="en-GB" sz="1000" u="none" strike="noStrike">
+                          <a:effectLst/>
+                        </a:rPr>
+                        <a:t>224</a:t>
+                      </a:r>
+                      <a:endParaRPr lang="en-GB" sz="1000" b="0" i="0" u="none" strike="noStrike">
+                        <a:solidFill>
+                          <a:srgbClr val="000000"/>
+                        </a:solidFill>
+                        <a:effectLst/>
+                        <a:latin typeface="Times New Roman" panose="02020603050405020304" pitchFamily="18" charset="0"/>
+                      </a:endParaRPr>
+                    </a:p>
+                  </a:txBody>
+                  <a:tcPr marL="7620" marR="7620" marT="7620" marB="0" anchor="ctr"/>
+                </a:tc>
+                <a:tc>
+                  <a:txBody>
+                    <a:bodyPr/>
+                    <a:lstStyle/>
+                    <a:p>
+                      <a:pPr algn="r" fontAlgn="ctr"/>
+                      <a:r>
+                        <a:rPr lang="en-GB" sz="1000" u="none" strike="noStrike">
+                          <a:effectLst/>
+                        </a:rPr>
+                        <a:t>-2.48</a:t>
+                      </a:r>
+                      <a:endParaRPr lang="en-GB" sz="1000" b="0" i="0" u="none" strike="noStrike">
+                        <a:solidFill>
+                          <a:srgbClr val="000000"/>
+                        </a:solidFill>
+                        <a:effectLst/>
+                        <a:latin typeface="Times New Roman" panose="02020603050405020304" pitchFamily="18" charset="0"/>
+                      </a:endParaRPr>
+                    </a:p>
+                  </a:txBody>
+                  <a:tcPr marL="7620" marR="7620" marT="7620" marB="0" anchor="ctr"/>
+                </a:tc>
+                <a:tc>
+                  <a:txBody>
+                    <a:bodyPr/>
+                    <a:lstStyle/>
+                    <a:p>
+                      <a:pPr algn="r" fontAlgn="ctr"/>
+                      <a:r>
+                        <a:rPr lang="en-GB" sz="1000" u="none" strike="noStrike">
+                          <a:effectLst/>
+                        </a:rPr>
+                        <a:t>4.68</a:t>
+                      </a:r>
+                      <a:endParaRPr lang="en-GB" sz="1000" b="0" i="0" u="none" strike="noStrike">
+                        <a:solidFill>
+                          <a:srgbClr val="000000"/>
+                        </a:solidFill>
+                        <a:effectLst/>
+                        <a:latin typeface="Times New Roman" panose="02020603050405020304" pitchFamily="18" charset="0"/>
+                      </a:endParaRPr>
+                    </a:p>
+                  </a:txBody>
+                  <a:tcPr marL="7620" marR="7620" marT="7620" marB="0" anchor="ctr"/>
+                </a:tc>
+                <a:tc>
+                  <a:txBody>
+                    <a:bodyPr/>
+                    <a:lstStyle/>
+                    <a:p>
+                      <a:pPr algn="r" fontAlgn="ctr"/>
+                      <a:r>
+                        <a:rPr lang="en-GB" sz="1000" u="none" strike="noStrike" dirty="0">
+                          <a:effectLst/>
+                        </a:rPr>
+                        <a:t>0.17</a:t>
+                      </a:r>
+                      <a:endParaRPr lang="en-GB" sz="1000" b="0" i="0" u="none" strike="noStrike" dirty="0">
+                        <a:solidFill>
+                          <a:srgbClr val="000000"/>
+                        </a:solidFill>
+                        <a:effectLst/>
+                        <a:latin typeface="Times New Roman" panose="02020603050405020304" pitchFamily="18" charset="0"/>
+                      </a:endParaRPr>
+                    </a:p>
+                  </a:txBody>
+                  <a:tcPr marL="7620" marR="7620" marT="7620" marB="0" anchor="ctr"/>
+                </a:tc>
+                <a:extLst>
+                  <a:ext uri="{0D108BD9-81ED-4DB2-BD59-A6C34878D82A}">
+                    <a16:rowId xmlns:a16="http://schemas.microsoft.com/office/drawing/2014/main" val="552024678"/>
+                  </a:ext>
+                </a:extLst>
+              </a:tr>
+            </a:tbl>
+          </a:graphicData>
+        </a:graphic>
+      </p:graphicFrame>
+    </p:spTree>
+    <p:extLst>
+      <p:ext uri="{BB962C8B-B14F-4D97-AF65-F5344CB8AC3E}">
+        <p14:creationId xmlns:p14="http://schemas.microsoft.com/office/powerpoint/2010/main" val="1388034715"/>
+      </p:ext>
+    </p:extLst>
+  </p:cSld>
+  <p:clrMapOvr>
+    <a:masterClrMapping/>
+  </p:clrMapOvr>
+</p:sld>
+</file>
+
+<file path=ppt/slides/slide11.xml><?xml version="1.0" encoding="utf-8"?>
+<p:sld xmlns:a="http://schemas.openxmlformats.org/drawingml/2006/main" xmlns:r="http://schemas.openxmlformats.org/officeDocument/2006/relationships" xmlns:p="http://schemas.openxmlformats.org/presentationml/2006/main">
+  <p:cSld>
+    <p:spTree>
+      <p:nvGrpSpPr>
+        <p:cNvPr id="1" name=""/>
+        <p:cNvGrpSpPr/>
+        <p:nvPr/>
+      </p:nvGrpSpPr>
+      <p:grpSpPr>
+        <a:xfrm>
+          <a:off x="0" y="0"/>
+          <a:ext cx="0" cy="0"/>
+          <a:chOff x="0" y="0"/>
+          <a:chExt cx="0" cy="0"/>
+        </a:xfrm>
+      </p:grpSpPr>
+      <p:sp>
+        <p:nvSpPr>
+          <p:cNvPr id="2" name="Title 1">
+            <a:extLst>
+              <a:ext uri="{FF2B5EF4-FFF2-40B4-BE49-F238E27FC236}">
+                <a16:creationId xmlns:a16="http://schemas.microsoft.com/office/drawing/2014/main" id="{02A26DCF-D20C-42BB-8650-D31BCB9104F0}"/>
+              </a:ext>
+            </a:extLst>
+          </p:cNvPr>
+          <p:cNvSpPr>
+            <a:spLocks noGrp="1"/>
+          </p:cNvSpPr>
+          <p:nvPr>
+            <p:ph type="title"/>
+          </p:nvPr>
+        </p:nvSpPr>
+        <p:spPr/>
+        <p:txBody>
+          <a:bodyPr/>
+          <a:lstStyle/>
+          <a:p>
+            <a:r>
+              <a:rPr lang="en-GB" dirty="0"/>
+              <a:t>wind</a:t>
+            </a:r>
+          </a:p>
+        </p:txBody>
+      </p:sp>
+      <p:pic>
+        <p:nvPicPr>
+          <p:cNvPr id="5" name="Content Placeholder 4" descr="Chart, histogram&#10;&#10;Description automatically generated">
+            <a:extLst>
+              <a:ext uri="{FF2B5EF4-FFF2-40B4-BE49-F238E27FC236}">
+                <a16:creationId xmlns:a16="http://schemas.microsoft.com/office/drawing/2014/main" id="{6198FE7A-147F-4FC8-AB32-87CA191A7A14}"/>
+              </a:ext>
+            </a:extLst>
+          </p:cNvPr>
+          <p:cNvPicPr>
+            <a:picLocks noGrp="1" noChangeAspect="1"/>
+          </p:cNvPicPr>
+          <p:nvPr>
+            <p:ph idx="1"/>
+          </p:nvPr>
+        </p:nvPicPr>
+        <p:blipFill>
+          <a:blip r:embed="rId2">
+            <a:extLst>
+              <a:ext uri="{28A0092B-C50C-407E-A947-70E740481C1C}">
+                <a14:useLocalDpi xmlns:a14="http://schemas.microsoft.com/office/drawing/2010/main" val="0"/>
+              </a:ext>
+            </a:extLst>
+          </a:blip>
+          <a:stretch>
+            <a:fillRect/>
+          </a:stretch>
+        </p:blipFill>
+        <p:spPr>
+          <a:xfrm>
+            <a:off x="493211" y="1690688"/>
+            <a:ext cx="5485714" cy="3657143"/>
+          </a:xfrm>
+        </p:spPr>
+      </p:pic>
+      <p:pic>
+        <p:nvPicPr>
+          <p:cNvPr id="7" name="Picture 6" descr="A picture containing shape&#10;&#10;Description automatically generated">
+            <a:extLst>
+              <a:ext uri="{FF2B5EF4-FFF2-40B4-BE49-F238E27FC236}">
+                <a16:creationId xmlns:a16="http://schemas.microsoft.com/office/drawing/2014/main" id="{C8786C44-3894-48AB-BBF0-0810ADC29349}"/>
+              </a:ext>
+            </a:extLst>
+          </p:cNvPr>
+          <p:cNvPicPr>
+            <a:picLocks noChangeAspect="1"/>
+          </p:cNvPicPr>
+          <p:nvPr/>
+        </p:nvPicPr>
+        <p:blipFill>
+          <a:blip r:embed="rId3">
+            <a:extLst>
+              <a:ext uri="{28A0092B-C50C-407E-A947-70E740481C1C}">
+                <a14:useLocalDpi xmlns:a14="http://schemas.microsoft.com/office/drawing/2010/main" val="0"/>
+              </a:ext>
+            </a:extLst>
+          </a:blip>
+          <a:stretch>
+            <a:fillRect/>
+          </a:stretch>
+        </p:blipFill>
+        <p:spPr>
+          <a:xfrm>
+            <a:off x="6096000" y="1425330"/>
+            <a:ext cx="5485714" cy="3657143"/>
+          </a:xfrm>
+          <a:prstGeom prst="rect">
+            <a:avLst/>
+          </a:prstGeom>
+        </p:spPr>
+      </p:pic>
+      <p:graphicFrame>
+        <p:nvGraphicFramePr>
+          <p:cNvPr id="8" name="Table 7">
+            <a:extLst>
+              <a:ext uri="{FF2B5EF4-FFF2-40B4-BE49-F238E27FC236}">
+                <a16:creationId xmlns:a16="http://schemas.microsoft.com/office/drawing/2014/main" id="{83949452-33A9-4FF1-B0CE-407BCD75895F}"/>
+              </a:ext>
+            </a:extLst>
+          </p:cNvPr>
+          <p:cNvGraphicFramePr>
+            <a:graphicFrameLocks noGrp="1"/>
+          </p:cNvGraphicFramePr>
+          <p:nvPr>
+            <p:extLst>
+              <p:ext uri="{D42A27DB-BD31-4B8C-83A1-F6EECF244321}">
+                <p14:modId xmlns:p14="http://schemas.microsoft.com/office/powerpoint/2010/main" val="2590664279"/>
+              </p:ext>
+            </p:extLst>
+          </p:nvPr>
+        </p:nvGraphicFramePr>
+        <p:xfrm>
+          <a:off x="4150125" y="5874636"/>
+          <a:ext cx="3657600" cy="533400"/>
+        </p:xfrm>
+        <a:graphic>
+          <a:graphicData uri="http://schemas.openxmlformats.org/drawingml/2006/table">
+            <a:tbl>
+              <a:tblPr>
+                <a:tableStyleId>{5C22544A-7EE6-4342-B048-85BDC9FD1C3A}</a:tableStyleId>
+              </a:tblPr>
+              <a:tblGrid>
+                <a:gridCol w="609600">
+                  <a:extLst>
+                    <a:ext uri="{9D8B030D-6E8A-4147-A177-3AD203B41FA5}">
+                      <a16:colId xmlns:a16="http://schemas.microsoft.com/office/drawing/2014/main" val="3285469061"/>
+                    </a:ext>
+                  </a:extLst>
+                </a:gridCol>
+                <a:gridCol w="609600">
+                  <a:extLst>
+                    <a:ext uri="{9D8B030D-6E8A-4147-A177-3AD203B41FA5}">
+                      <a16:colId xmlns:a16="http://schemas.microsoft.com/office/drawing/2014/main" val="2043546227"/>
+                    </a:ext>
+                  </a:extLst>
+                </a:gridCol>
+                <a:gridCol w="609600">
+                  <a:extLst>
+                    <a:ext uri="{9D8B030D-6E8A-4147-A177-3AD203B41FA5}">
+                      <a16:colId xmlns:a16="http://schemas.microsoft.com/office/drawing/2014/main" val="1205320093"/>
+                    </a:ext>
+                  </a:extLst>
+                </a:gridCol>
+                <a:gridCol w="609600">
+                  <a:extLst>
+                    <a:ext uri="{9D8B030D-6E8A-4147-A177-3AD203B41FA5}">
+                      <a16:colId xmlns:a16="http://schemas.microsoft.com/office/drawing/2014/main" val="2174962546"/>
+                    </a:ext>
+                  </a:extLst>
+                </a:gridCol>
+                <a:gridCol w="609600">
+                  <a:extLst>
+                    <a:ext uri="{9D8B030D-6E8A-4147-A177-3AD203B41FA5}">
+                      <a16:colId xmlns:a16="http://schemas.microsoft.com/office/drawing/2014/main" val="3885759530"/>
+                    </a:ext>
+                  </a:extLst>
+                </a:gridCol>
+                <a:gridCol w="609600">
+                  <a:extLst>
+                    <a:ext uri="{9D8B030D-6E8A-4147-A177-3AD203B41FA5}">
+                      <a16:colId xmlns:a16="http://schemas.microsoft.com/office/drawing/2014/main" val="3833483427"/>
+                    </a:ext>
+                  </a:extLst>
+                </a:gridCol>
+              </a:tblGrid>
+              <a:tr h="342900">
+                <a:tc>
+                  <a:txBody>
+                    <a:bodyPr/>
+                    <a:lstStyle/>
+                    <a:p>
+                      <a:pPr algn="r" fontAlgn="ctr"/>
+                      <a:r>
+                        <a:rPr lang="en-GB" sz="1000" u="none" strike="noStrike">
+                          <a:effectLst/>
+                        </a:rPr>
+                        <a:t> </a:t>
+                      </a:r>
+                      <a:endParaRPr lang="en-GB" sz="1000" b="0" i="0" u="none" strike="noStrike">
+                        <a:solidFill>
+                          <a:srgbClr val="000000"/>
+                        </a:solidFill>
+                        <a:effectLst/>
+                        <a:latin typeface="Times New Roman" panose="02020603050405020304" pitchFamily="18" charset="0"/>
+                      </a:endParaRPr>
+                    </a:p>
+                  </a:txBody>
+                  <a:tcPr marL="7620" marR="7620" marT="7620" marB="0" anchor="ctr"/>
+                </a:tc>
+                <a:tc>
+                  <a:txBody>
+                    <a:bodyPr/>
+                    <a:lstStyle/>
+                    <a:p>
+                      <a:pPr algn="r" fontAlgn="ctr"/>
+                      <a:r>
+                        <a:rPr lang="en-GB" sz="1000" u="none" strike="noStrike">
+                          <a:effectLst/>
+                        </a:rPr>
+                        <a:t>Mean</a:t>
+                      </a:r>
+                      <a:endParaRPr lang="en-GB" sz="1000" b="0" i="0" u="none" strike="noStrike">
+                        <a:solidFill>
+                          <a:srgbClr val="000000"/>
+                        </a:solidFill>
+                        <a:effectLst/>
+                        <a:latin typeface="Times New Roman" panose="02020603050405020304" pitchFamily="18" charset="0"/>
+                      </a:endParaRPr>
+                    </a:p>
+                  </a:txBody>
+                  <a:tcPr marL="7620" marR="7620" marT="7620" marB="0" anchor="ctr"/>
+                </a:tc>
+                <a:tc>
+                  <a:txBody>
+                    <a:bodyPr/>
+                    <a:lstStyle/>
+                    <a:p>
+                      <a:pPr algn="r" fontAlgn="ctr"/>
+                      <a:r>
+                        <a:rPr lang="en-GB" sz="1000" u="none" strike="noStrike">
+                          <a:effectLst/>
+                        </a:rPr>
+                        <a:t>Std</a:t>
+                      </a:r>
+                      <a:endParaRPr lang="en-GB" sz="1000" b="0" i="0" u="none" strike="noStrike">
+                        <a:solidFill>
+                          <a:srgbClr val="000000"/>
+                        </a:solidFill>
+                        <a:effectLst/>
+                        <a:latin typeface="Times New Roman" panose="02020603050405020304" pitchFamily="18" charset="0"/>
+                      </a:endParaRPr>
+                    </a:p>
+                  </a:txBody>
+                  <a:tcPr marL="7620" marR="7620" marT="7620" marB="0" anchor="ctr"/>
+                </a:tc>
+                <a:tc>
+                  <a:txBody>
+                    <a:bodyPr/>
+                    <a:lstStyle/>
+                    <a:p>
+                      <a:pPr algn="r" fontAlgn="ctr"/>
+                      <a:r>
+                        <a:rPr lang="en-GB" sz="1000" u="none" strike="noStrike">
+                          <a:effectLst/>
+                        </a:rPr>
+                        <a:t>Skew</a:t>
+                      </a:r>
+                      <a:endParaRPr lang="en-GB" sz="1000" b="0" i="0" u="none" strike="noStrike">
+                        <a:solidFill>
+                          <a:srgbClr val="000000"/>
+                        </a:solidFill>
+                        <a:effectLst/>
+                        <a:latin typeface="Times New Roman" panose="02020603050405020304" pitchFamily="18" charset="0"/>
+                      </a:endParaRPr>
+                    </a:p>
+                  </a:txBody>
+                  <a:tcPr marL="7620" marR="7620" marT="7620" marB="0" anchor="ctr"/>
+                </a:tc>
+                <a:tc>
+                  <a:txBody>
+                    <a:bodyPr/>
+                    <a:lstStyle/>
+                    <a:p>
+                      <a:pPr algn="r" fontAlgn="ctr"/>
+                      <a:r>
+                        <a:rPr lang="en-GB" sz="1000" u="none" strike="noStrike">
+                          <a:effectLst/>
+                        </a:rPr>
+                        <a:t>Kurtosis</a:t>
+                      </a:r>
+                      <a:endParaRPr lang="en-GB" sz="1000" b="0" i="0" u="none" strike="noStrike">
+                        <a:solidFill>
+                          <a:srgbClr val="000000"/>
+                        </a:solidFill>
+                        <a:effectLst/>
+                        <a:latin typeface="Times New Roman" panose="02020603050405020304" pitchFamily="18" charset="0"/>
+                      </a:endParaRPr>
+                    </a:p>
+                  </a:txBody>
+                  <a:tcPr marL="7620" marR="7620" marT="7620" marB="0" anchor="ctr"/>
+                </a:tc>
+                <a:tc>
+                  <a:txBody>
+                    <a:bodyPr/>
+                    <a:lstStyle/>
+                    <a:p>
+                      <a:pPr algn="r" fontAlgn="ctr"/>
+                      <a:r>
+                        <a:rPr lang="en-GB" sz="1000" u="none" strike="noStrike">
+                          <a:effectLst/>
+                        </a:rPr>
+                        <a:t>Variation</a:t>
+                      </a:r>
+                      <a:endParaRPr lang="en-GB" sz="1000" b="0" i="0" u="none" strike="noStrike">
+                        <a:solidFill>
+                          <a:srgbClr val="000000"/>
+                        </a:solidFill>
+                        <a:effectLst/>
+                        <a:latin typeface="Times New Roman" panose="02020603050405020304" pitchFamily="18" charset="0"/>
+                      </a:endParaRPr>
+                    </a:p>
+                  </a:txBody>
+                  <a:tcPr marL="7620" marR="7620" marT="7620" marB="0" anchor="ctr"/>
+                </a:tc>
+                <a:extLst>
+                  <a:ext uri="{0D108BD9-81ED-4DB2-BD59-A6C34878D82A}">
+                    <a16:rowId xmlns:a16="http://schemas.microsoft.com/office/drawing/2014/main" val="861539776"/>
+                  </a:ext>
+                </a:extLst>
+              </a:tr>
+              <a:tr h="190500">
+                <a:tc>
+                  <a:txBody>
+                    <a:bodyPr/>
+                    <a:lstStyle/>
+                    <a:p>
+                      <a:pPr algn="r" fontAlgn="ctr"/>
+                      <a:r>
+                        <a:rPr lang="en-GB" sz="1000" u="none" strike="noStrike">
+                          <a:effectLst/>
+                        </a:rPr>
+                        <a:t>Wind</a:t>
+                      </a:r>
+                      <a:endParaRPr lang="en-GB" sz="1000" b="0" i="0" u="none" strike="noStrike">
+                        <a:solidFill>
+                          <a:srgbClr val="000000"/>
+                        </a:solidFill>
+                        <a:effectLst/>
+                        <a:latin typeface="Times New Roman" panose="02020603050405020304" pitchFamily="18" charset="0"/>
+                      </a:endParaRPr>
+                    </a:p>
+                  </a:txBody>
+                  <a:tcPr marL="7620" marR="7620" marT="7620" marB="0" anchor="ctr"/>
+                </a:tc>
+                <a:tc>
+                  <a:txBody>
+                    <a:bodyPr/>
+                    <a:lstStyle/>
+                    <a:p>
+                      <a:pPr algn="r" fontAlgn="ctr"/>
+                      <a:r>
+                        <a:rPr lang="en-GB" sz="1000" u="none" strike="noStrike">
+                          <a:effectLst/>
+                        </a:rPr>
+                        <a:t>488</a:t>
+                      </a:r>
+                      <a:endParaRPr lang="en-GB" sz="1000" b="0" i="0" u="none" strike="noStrike">
+                        <a:solidFill>
+                          <a:srgbClr val="000000"/>
+                        </a:solidFill>
+                        <a:effectLst/>
+                        <a:latin typeface="Times New Roman" panose="02020603050405020304" pitchFamily="18" charset="0"/>
+                      </a:endParaRPr>
+                    </a:p>
+                  </a:txBody>
+                  <a:tcPr marL="7620" marR="7620" marT="7620" marB="0" anchor="ctr"/>
+                </a:tc>
+                <a:tc>
+                  <a:txBody>
+                    <a:bodyPr/>
+                    <a:lstStyle/>
+                    <a:p>
+                      <a:pPr algn="r" fontAlgn="ctr"/>
+                      <a:r>
+                        <a:rPr lang="en-GB" sz="1000" u="none" strike="noStrike">
+                          <a:effectLst/>
+                        </a:rPr>
+                        <a:t>618</a:t>
+                      </a:r>
+                      <a:endParaRPr lang="en-GB" sz="1000" b="0" i="0" u="none" strike="noStrike">
+                        <a:solidFill>
+                          <a:srgbClr val="000000"/>
+                        </a:solidFill>
+                        <a:effectLst/>
+                        <a:latin typeface="Times New Roman" panose="02020603050405020304" pitchFamily="18" charset="0"/>
+                      </a:endParaRPr>
+                    </a:p>
+                  </a:txBody>
+                  <a:tcPr marL="7620" marR="7620" marT="7620" marB="0" anchor="ctr"/>
+                </a:tc>
+                <a:tc>
+                  <a:txBody>
+                    <a:bodyPr/>
+                    <a:lstStyle/>
+                    <a:p>
+                      <a:pPr algn="r" fontAlgn="ctr"/>
+                      <a:r>
+                        <a:rPr lang="en-GB" sz="1000" u="none" strike="noStrike">
+                          <a:effectLst/>
+                        </a:rPr>
+                        <a:t>1.49</a:t>
+                      </a:r>
+                      <a:endParaRPr lang="en-GB" sz="1000" b="0" i="0" u="none" strike="noStrike">
+                        <a:solidFill>
+                          <a:srgbClr val="000000"/>
+                        </a:solidFill>
+                        <a:effectLst/>
+                        <a:latin typeface="Times New Roman" panose="02020603050405020304" pitchFamily="18" charset="0"/>
+                      </a:endParaRPr>
+                    </a:p>
+                  </a:txBody>
+                  <a:tcPr marL="7620" marR="7620" marT="7620" marB="0" anchor="ctr"/>
+                </a:tc>
+                <a:tc>
+                  <a:txBody>
+                    <a:bodyPr/>
+                    <a:lstStyle/>
+                    <a:p>
+                      <a:pPr algn="r" fontAlgn="ctr"/>
+                      <a:r>
+                        <a:rPr lang="en-GB" sz="1000" u="none" strike="noStrike">
+                          <a:effectLst/>
+                        </a:rPr>
+                        <a:t>1.49</a:t>
+                      </a:r>
+                      <a:endParaRPr lang="en-GB" sz="1000" b="0" i="0" u="none" strike="noStrike">
+                        <a:solidFill>
+                          <a:srgbClr val="000000"/>
+                        </a:solidFill>
+                        <a:effectLst/>
+                        <a:latin typeface="Times New Roman" panose="02020603050405020304" pitchFamily="18" charset="0"/>
+                      </a:endParaRPr>
+                    </a:p>
+                  </a:txBody>
+                  <a:tcPr marL="7620" marR="7620" marT="7620" marB="0" anchor="ctr"/>
+                </a:tc>
+                <a:tc>
+                  <a:txBody>
+                    <a:bodyPr/>
+                    <a:lstStyle/>
+                    <a:p>
+                      <a:pPr algn="r" fontAlgn="ctr"/>
+                      <a:r>
+                        <a:rPr lang="en-GB" sz="1000" u="none" strike="noStrike" dirty="0">
+                          <a:effectLst/>
+                        </a:rPr>
+                        <a:t>1.26</a:t>
+                      </a:r>
+                      <a:endParaRPr lang="en-GB" sz="1000" b="0" i="0" u="none" strike="noStrike" dirty="0">
+                        <a:solidFill>
+                          <a:srgbClr val="000000"/>
+                        </a:solidFill>
+                        <a:effectLst/>
+                        <a:latin typeface="Times New Roman" panose="02020603050405020304" pitchFamily="18" charset="0"/>
+                      </a:endParaRPr>
+                    </a:p>
+                  </a:txBody>
+                  <a:tcPr marL="7620" marR="7620" marT="7620" marB="0" anchor="ctr"/>
+                </a:tc>
+                <a:extLst>
+                  <a:ext uri="{0D108BD9-81ED-4DB2-BD59-A6C34878D82A}">
+                    <a16:rowId xmlns:a16="http://schemas.microsoft.com/office/drawing/2014/main" val="1389576748"/>
+                  </a:ext>
+                </a:extLst>
+              </a:tr>
+            </a:tbl>
+          </a:graphicData>
+        </a:graphic>
+      </p:graphicFrame>
+    </p:spTree>
+    <p:extLst>
+      <p:ext uri="{BB962C8B-B14F-4D97-AF65-F5344CB8AC3E}">
+        <p14:creationId xmlns:p14="http://schemas.microsoft.com/office/powerpoint/2010/main" val="3807903693"/>
+      </p:ext>
+    </p:extLst>
+  </p:cSld>
+  <p:clrMapOvr>
+    <a:masterClrMapping/>
+  </p:clrMapOvr>
+</p:sld>
+</file>
+
+<file path=ppt/slides/slide12.xml><?xml version="1.0" encoding="utf-8"?>
+<p:sld xmlns:a="http://schemas.openxmlformats.org/drawingml/2006/main" xmlns:r="http://schemas.openxmlformats.org/officeDocument/2006/relationships" xmlns:p="http://schemas.openxmlformats.org/presentationml/2006/main">
+  <p:cSld>
+    <p:spTree>
+      <p:nvGrpSpPr>
+        <p:cNvPr id="1" name=""/>
+        <p:cNvGrpSpPr/>
+        <p:nvPr/>
+      </p:nvGrpSpPr>
+      <p:grpSpPr>
+        <a:xfrm>
+          <a:off x="0" y="0"/>
+          <a:ext cx="0" cy="0"/>
+          <a:chOff x="0" y="0"/>
+          <a:chExt cx="0" cy="0"/>
+        </a:xfrm>
+      </p:grpSpPr>
+      <p:sp>
+        <p:nvSpPr>
+          <p:cNvPr id="2" name="Title 1">
+            <a:extLst>
+              <a:ext uri="{FF2B5EF4-FFF2-40B4-BE49-F238E27FC236}">
                 <a16:creationId xmlns:a16="http://schemas.microsoft.com/office/drawing/2014/main" id="{0692818B-039F-4CCA-9D04-BD17487535EF}"/>
               </a:ext>
             </a:extLst>
@@ -4457,7 +5453,7 @@
 </p:sld>
 </file>
 
-<file path=ppt/slides/slide11.xml><?xml version="1.0" encoding="utf-8"?>
+<file path=ppt/slides/slide13.xml><?xml version="1.0" encoding="utf-8"?>
 <p:sld xmlns:a="http://schemas.openxmlformats.org/drawingml/2006/main" xmlns:r="http://schemas.openxmlformats.org/officeDocument/2006/relationships" xmlns:p="http://schemas.openxmlformats.org/presentationml/2006/main">
   <p:cSld>
     <p:spTree>
@@ -4954,7 +5950,7 @@
 </p:sld>
 </file>
 
-<file path=ppt/slides/slide12.xml><?xml version="1.0" encoding="utf-8"?>
+<file path=ppt/slides/slide14.xml><?xml version="1.0" encoding="utf-8"?>
 <p:sld xmlns:a="http://schemas.openxmlformats.org/drawingml/2006/main" xmlns:r="http://schemas.openxmlformats.org/officeDocument/2006/relationships" xmlns:p="http://schemas.openxmlformats.org/presentationml/2006/main">
   <p:cSld>
     <p:spTree>
@@ -5451,7 +6447,7 @@
 </p:sld>
 </file>
 
-<file path=ppt/slides/slide13.xml><?xml version="1.0" encoding="utf-8"?>
+<file path=ppt/slides/slide15.xml><?xml version="1.0" encoding="utf-8"?>
 <p:sld xmlns:a="http://schemas.openxmlformats.org/drawingml/2006/main" xmlns:r="http://schemas.openxmlformats.org/officeDocument/2006/relationships" xmlns:p="http://schemas.openxmlformats.org/presentationml/2006/main">
   <p:cSld>
     <p:spTree>
@@ -7190,7 +8186,7 @@
 </p:sld>
 </file>
 
-<file path=ppt/slides/slide14.xml><?xml version="1.0" encoding="utf-8"?>
+<file path=ppt/slides/slide16.xml><?xml version="1.0" encoding="utf-8"?>
 <p:sld xmlns:a="http://schemas.openxmlformats.org/drawingml/2006/main" xmlns:r="http://schemas.openxmlformats.org/officeDocument/2006/relationships" xmlns:p="http://schemas.openxmlformats.org/presentationml/2006/main">
   <p:cSld>
     <p:spTree>
@@ -7343,7 +8339,7 @@
 </p:sld>
 </file>
 
-<file path=ppt/slides/slide15.xml><?xml version="1.0" encoding="utf-8"?>
+<file path=ppt/slides/slide17.xml><?xml version="1.0" encoding="utf-8"?>
 <p:sld xmlns:a="http://schemas.openxmlformats.org/drawingml/2006/main" xmlns:r="http://schemas.openxmlformats.org/officeDocument/2006/relationships" xmlns:p="http://schemas.openxmlformats.org/presentationml/2006/main">
   <p:cSld>
     <p:spTree>
@@ -7426,7 +8422,7 @@
 </p:sld>
 </file>
 
-<file path=ppt/slides/slide16.xml><?xml version="1.0" encoding="utf-8"?>
+<file path=ppt/slides/slide18.xml><?xml version="1.0" encoding="utf-8"?>
 <p:sld xmlns:a="http://schemas.openxmlformats.org/drawingml/2006/main" xmlns:r="http://schemas.openxmlformats.org/officeDocument/2006/relationships" xmlns:p="http://schemas.openxmlformats.org/presentationml/2006/main">
   <p:cSld>
     <p:spTree>
@@ -7521,7 +8517,7 @@
 </p:sld>
 </file>
 
-<file path=ppt/slides/slide17.xml><?xml version="1.0" encoding="utf-8"?>
+<file path=ppt/slides/slide19.xml><?xml version="1.0" encoding="utf-8"?>
 <p:sld xmlns:a="http://schemas.openxmlformats.org/drawingml/2006/main" xmlns:r="http://schemas.openxmlformats.org/officeDocument/2006/relationships" xmlns:p="http://schemas.openxmlformats.org/presentationml/2006/main">
   <p:cSld>
     <p:spTree>
@@ -8347,7 +9343,90 @@
 </p:sld>
 </file>
 
-<file path=ppt/slides/slide18.xml><?xml version="1.0" encoding="utf-8"?>
+<file path=ppt/slides/slide2.xml><?xml version="1.0" encoding="utf-8"?>
+<p:sld xmlns:a="http://schemas.openxmlformats.org/drawingml/2006/main" xmlns:r="http://schemas.openxmlformats.org/officeDocument/2006/relationships" xmlns:p="http://schemas.openxmlformats.org/presentationml/2006/main">
+  <p:cSld>
+    <p:spTree>
+      <p:nvGrpSpPr>
+        <p:cNvPr id="1" name=""/>
+        <p:cNvGrpSpPr/>
+        <p:nvPr/>
+      </p:nvGrpSpPr>
+      <p:grpSpPr>
+        <a:xfrm>
+          <a:off x="0" y="0"/>
+          <a:ext cx="0" cy="0"/>
+          <a:chOff x="0" y="0"/>
+          <a:chExt cx="0" cy="0"/>
+        </a:xfrm>
+      </p:grpSpPr>
+      <p:sp>
+        <p:nvSpPr>
+          <p:cNvPr id="2" name="Title 1">
+            <a:extLst>
+              <a:ext uri="{FF2B5EF4-FFF2-40B4-BE49-F238E27FC236}">
+                <a16:creationId xmlns:a16="http://schemas.microsoft.com/office/drawing/2014/main" id="{809DC5D5-FACA-49A8-A186-9CD75C261577}"/>
+              </a:ext>
+            </a:extLst>
+          </p:cNvPr>
+          <p:cNvSpPr>
+            <a:spLocks noGrp="1"/>
+          </p:cNvSpPr>
+          <p:nvPr>
+            <p:ph type="title"/>
+          </p:nvPr>
+        </p:nvSpPr>
+        <p:spPr/>
+        <p:txBody>
+          <a:bodyPr/>
+          <a:lstStyle/>
+          <a:p>
+            <a:r>
+              <a:rPr lang="en-GB" dirty="0"/>
+              <a:t>contents</a:t>
+            </a:r>
+          </a:p>
+        </p:txBody>
+      </p:sp>
+      <p:sp>
+        <p:nvSpPr>
+          <p:cNvPr id="3" name="Content Placeholder 2">
+            <a:extLst>
+              <a:ext uri="{FF2B5EF4-FFF2-40B4-BE49-F238E27FC236}">
+                <a16:creationId xmlns:a16="http://schemas.microsoft.com/office/drawing/2014/main" id="{D8CF55E1-B356-46B1-A65E-47F883E6E254}"/>
+              </a:ext>
+            </a:extLst>
+          </p:cNvPr>
+          <p:cNvSpPr>
+            <a:spLocks noGrp="1"/>
+          </p:cNvSpPr>
+          <p:nvPr>
+            <p:ph idx="1"/>
+          </p:nvPr>
+        </p:nvSpPr>
+        <p:spPr/>
+        <p:txBody>
+          <a:bodyPr/>
+          <a:lstStyle/>
+          <a:p>
+            <a:endParaRPr lang="en-GB" dirty="0"/>
+          </a:p>
+        </p:txBody>
+      </p:sp>
+    </p:spTree>
+    <p:extLst>
+      <p:ext uri="{BB962C8B-B14F-4D97-AF65-F5344CB8AC3E}">
+        <p14:creationId xmlns:p14="http://schemas.microsoft.com/office/powerpoint/2010/main" val="3844312569"/>
+      </p:ext>
+    </p:extLst>
+  </p:cSld>
+  <p:clrMapOvr>
+    <a:masterClrMapping/>
+  </p:clrMapOvr>
+</p:sld>
+</file>
+
+<file path=ppt/slides/slide20.xml><?xml version="1.0" encoding="utf-8"?>
 <p:sld xmlns:a="http://schemas.openxmlformats.org/drawingml/2006/main" xmlns:r="http://schemas.openxmlformats.org/officeDocument/2006/relationships" xmlns:p="http://schemas.openxmlformats.org/presentationml/2006/main">
   <p:cSld>
     <p:spTree>
@@ -8989,7 +10068,7 @@
 </p:sld>
 </file>
 
-<file path=ppt/slides/slide19.xml><?xml version="1.0" encoding="utf-8"?>
+<file path=ppt/slides/slide21.xml><?xml version="1.0" encoding="utf-8"?>
 <p:sld xmlns:a="http://schemas.openxmlformats.org/drawingml/2006/main" xmlns:r="http://schemas.openxmlformats.org/officeDocument/2006/relationships" xmlns:p="http://schemas.openxmlformats.org/presentationml/2006/main">
   <p:cSld>
     <p:spTree>
@@ -9631,90 +10710,7 @@
 </p:sld>
 </file>
 
-<file path=ppt/slides/slide2.xml><?xml version="1.0" encoding="utf-8"?>
-<p:sld xmlns:a="http://schemas.openxmlformats.org/drawingml/2006/main" xmlns:r="http://schemas.openxmlformats.org/officeDocument/2006/relationships" xmlns:p="http://schemas.openxmlformats.org/presentationml/2006/main">
-  <p:cSld>
-    <p:spTree>
-      <p:nvGrpSpPr>
-        <p:cNvPr id="1" name=""/>
-        <p:cNvGrpSpPr/>
-        <p:nvPr/>
-      </p:nvGrpSpPr>
-      <p:grpSpPr>
-        <a:xfrm>
-          <a:off x="0" y="0"/>
-          <a:ext cx="0" cy="0"/>
-          <a:chOff x="0" y="0"/>
-          <a:chExt cx="0" cy="0"/>
-        </a:xfrm>
-      </p:grpSpPr>
-      <p:sp>
-        <p:nvSpPr>
-          <p:cNvPr id="2" name="Title 1">
-            <a:extLst>
-              <a:ext uri="{FF2B5EF4-FFF2-40B4-BE49-F238E27FC236}">
-                <a16:creationId xmlns:a16="http://schemas.microsoft.com/office/drawing/2014/main" id="{809DC5D5-FACA-49A8-A186-9CD75C261577}"/>
-              </a:ext>
-            </a:extLst>
-          </p:cNvPr>
-          <p:cNvSpPr>
-            <a:spLocks noGrp="1"/>
-          </p:cNvSpPr>
-          <p:nvPr>
-            <p:ph type="title"/>
-          </p:nvPr>
-        </p:nvSpPr>
-        <p:spPr/>
-        <p:txBody>
-          <a:bodyPr/>
-          <a:lstStyle/>
-          <a:p>
-            <a:r>
-              <a:rPr lang="en-GB" dirty="0"/>
-              <a:t>contents</a:t>
-            </a:r>
-          </a:p>
-        </p:txBody>
-      </p:sp>
-      <p:sp>
-        <p:nvSpPr>
-          <p:cNvPr id="3" name="Content Placeholder 2">
-            <a:extLst>
-              <a:ext uri="{FF2B5EF4-FFF2-40B4-BE49-F238E27FC236}">
-                <a16:creationId xmlns:a16="http://schemas.microsoft.com/office/drawing/2014/main" id="{D8CF55E1-B356-46B1-A65E-47F883E6E254}"/>
-              </a:ext>
-            </a:extLst>
-          </p:cNvPr>
-          <p:cNvSpPr>
-            <a:spLocks noGrp="1"/>
-          </p:cNvSpPr>
-          <p:nvPr>
-            <p:ph idx="1"/>
-          </p:nvPr>
-        </p:nvSpPr>
-        <p:spPr/>
-        <p:txBody>
-          <a:bodyPr/>
-          <a:lstStyle/>
-          <a:p>
-            <a:endParaRPr lang="en-GB" dirty="0"/>
-          </a:p>
-        </p:txBody>
-      </p:sp>
-    </p:spTree>
-    <p:extLst>
-      <p:ext uri="{BB962C8B-B14F-4D97-AF65-F5344CB8AC3E}">
-        <p14:creationId xmlns:p14="http://schemas.microsoft.com/office/powerpoint/2010/main" val="3844312569"/>
-      </p:ext>
-    </p:extLst>
-  </p:cSld>
-  <p:clrMapOvr>
-    <a:masterClrMapping/>
-  </p:clrMapOvr>
-</p:sld>
-</file>
-
-<file path=ppt/slides/slide20.xml><?xml version="1.0" encoding="utf-8"?>
+<file path=ppt/slides/slide22.xml><?xml version="1.0" encoding="utf-8"?>
 <p:sld xmlns:a="http://schemas.openxmlformats.org/drawingml/2006/main" xmlns:r="http://schemas.openxmlformats.org/officeDocument/2006/relationships" xmlns:p="http://schemas.openxmlformats.org/presentationml/2006/main">
   <p:cSld>
     <p:spTree>
@@ -10361,7 +11357,7 @@
 </p:sld>
 </file>
 
-<file path=ppt/slides/slide21.xml><?xml version="1.0" encoding="utf-8"?>
+<file path=ppt/slides/slide23.xml><?xml version="1.0" encoding="utf-8"?>
 <p:sld xmlns:a="http://schemas.openxmlformats.org/drawingml/2006/main" xmlns:r="http://schemas.openxmlformats.org/officeDocument/2006/relationships" xmlns:p="http://schemas.openxmlformats.org/presentationml/2006/main">
   <p:cSld>
     <p:spTree>
@@ -11003,7 +11999,7 @@
 </p:sld>
 </file>
 
-<file path=ppt/slides/slide22.xml><?xml version="1.0" encoding="utf-8"?>
+<file path=ppt/slides/slide24.xml><?xml version="1.0" encoding="utf-8"?>
 <p:sld xmlns:a="http://schemas.openxmlformats.org/drawingml/2006/main" xmlns:r="http://schemas.openxmlformats.org/officeDocument/2006/relationships" xmlns:p="http://schemas.openxmlformats.org/presentationml/2006/main">
   <p:cSld>
     <p:spTree>
@@ -11645,7 +12641,7 @@
 </p:sld>
 </file>
 
-<file path=ppt/slides/slide23.xml><?xml version="1.0" encoding="utf-8"?>
+<file path=ppt/slides/slide25.xml><?xml version="1.0" encoding="utf-8"?>
 <p:sld xmlns:a="http://schemas.openxmlformats.org/drawingml/2006/main" xmlns:r="http://schemas.openxmlformats.org/officeDocument/2006/relationships" xmlns:p="http://schemas.openxmlformats.org/presentationml/2006/main">
   <p:cSld>
     <p:spTree>
@@ -12287,7 +13283,7 @@
 </p:sld>
 </file>
 
-<file path=ppt/slides/slide24.xml><?xml version="1.0" encoding="utf-8"?>
+<file path=ppt/slides/slide26.xml><?xml version="1.0" encoding="utf-8"?>
 <p:sld xmlns:a="http://schemas.openxmlformats.org/drawingml/2006/main" xmlns:r="http://schemas.openxmlformats.org/officeDocument/2006/relationships" xmlns:p="http://schemas.openxmlformats.org/presentationml/2006/main">
   <p:cSld>
     <p:spTree>
@@ -12929,7 +13925,7 @@
 </p:sld>
 </file>
 
-<file path=ppt/slides/slide25.xml><?xml version="1.0" encoding="utf-8"?>
+<file path=ppt/slides/slide27.xml><?xml version="1.0" encoding="utf-8"?>
 <p:sld xmlns:a="http://schemas.openxmlformats.org/drawingml/2006/main" xmlns:r="http://schemas.openxmlformats.org/officeDocument/2006/relationships" xmlns:p="http://schemas.openxmlformats.org/presentationml/2006/main">
   <p:cSld>
     <p:spTree>
@@ -13012,7 +14008,7 @@
 </p:sld>
 </file>
 
-<file path=ppt/slides/slide26.xml><?xml version="1.0" encoding="utf-8"?>
+<file path=ppt/slides/slide28.xml><?xml version="1.0" encoding="utf-8"?>
 <p:sld xmlns:a="http://schemas.openxmlformats.org/drawingml/2006/main" xmlns:r="http://schemas.openxmlformats.org/officeDocument/2006/relationships" xmlns:p="http://schemas.openxmlformats.org/presentationml/2006/main">
   <p:cSld>
     <p:spTree>
@@ -13078,7 +14074,14 @@
           <a:bodyPr/>
           <a:lstStyle/>
           <a:p>
-            <a:endParaRPr lang="en-GB"/>
+            <a:r>
+              <a:rPr lang="en-GB" dirty="0" err="1"/>
+              <a:t>XGBoost</a:t>
+            </a:r>
+            <a:r>
+              <a:rPr lang="en-GB" dirty="0"/>
+              <a:t>: A Scalable Tree Boosting System </a:t>
+            </a:r>
           </a:p>
         </p:txBody>
       </p:sp>
@@ -13161,7 +14164,10 @@
           <a:bodyPr/>
           <a:lstStyle/>
           <a:p>
-            <a:endParaRPr lang="en-GB" dirty="0"/>
+            <a:r>
+              <a:rPr lang="en-GB" dirty="0"/>
+              <a:t>Machine learning and data-driven approaches are becoming very important in many areas. Smart spam classifiers protect our email by learning from massive amounts of spam data and user feedback; advertising systems learn to match the right ads with the right context; fraud detection systems protect banks from malicious attackers; anomaly event detection systems help experimental physicists to find events that lead to new physics. There are two important factors that drive these successful applications: usage of effective (statistical) models that capture the complex data dependencies and scalable learning systems that learn the model of interest from large datasets. </a:t>
+            </a:r>
           </a:p>
         </p:txBody>
       </p:sp>
@@ -13200,6 +14206,222 @@
           <p:cNvPr id="2" name="Title 1">
             <a:extLst>
               <a:ext uri="{FF2B5EF4-FFF2-40B4-BE49-F238E27FC236}">
+                <a16:creationId xmlns:a16="http://schemas.microsoft.com/office/drawing/2014/main" id="{38C281A2-0F24-48DD-ACEB-2D98FA9DADFA}"/>
+              </a:ext>
+            </a:extLst>
+          </p:cNvPr>
+          <p:cNvSpPr>
+            <a:spLocks noGrp="1"/>
+          </p:cNvSpPr>
+          <p:nvPr>
+            <p:ph type="title"/>
+          </p:nvPr>
+        </p:nvSpPr>
+        <p:spPr/>
+        <p:txBody>
+          <a:bodyPr/>
+          <a:lstStyle/>
+          <a:p>
+            <a:endParaRPr lang="en-GB"/>
+          </a:p>
+        </p:txBody>
+      </p:sp>
+      <p:sp>
+        <p:nvSpPr>
+          <p:cNvPr id="3" name="Content Placeholder 2">
+            <a:extLst>
+              <a:ext uri="{FF2B5EF4-FFF2-40B4-BE49-F238E27FC236}">
+                <a16:creationId xmlns:a16="http://schemas.microsoft.com/office/drawing/2014/main" id="{F80DBA45-3B6E-4E0F-B341-F27A0E540EA1}"/>
+              </a:ext>
+            </a:extLst>
+          </p:cNvPr>
+          <p:cNvSpPr>
+            <a:spLocks noGrp="1"/>
+          </p:cNvSpPr>
+          <p:nvPr>
+            <p:ph idx="1"/>
+          </p:nvPr>
+        </p:nvSpPr>
+        <p:spPr/>
+        <p:txBody>
+          <a:bodyPr>
+            <a:normAutofit fontScale="77500" lnSpcReduction="20000"/>
+          </a:bodyPr>
+          <a:lstStyle/>
+          <a:p>
+            <a:r>
+              <a:rPr lang="en-GB" dirty="0"/>
+              <a:t>model of interest from large datasets. Among the machine learning methods used in practice, gradient tree boosting [10] 1 is one technique that shines in many applications. Tree boosting has been shown to give state-of-the-art results on many standard classification benchmarks [16]. </a:t>
+            </a:r>
+            <a:r>
+              <a:rPr lang="en-GB" dirty="0" err="1"/>
+              <a:t>LambdaMART</a:t>
+            </a:r>
+            <a:r>
+              <a:rPr lang="en-GB" dirty="0"/>
+              <a:t> [5], a variant of tree boosting for ranking, achieves state-of-the-art result for ranking 1Gradient tree boosting is also known as gradient boosting machine (GBM) or gradient boosted regression tree (GBRT) Permission to make digital or hard copies of all or part of this work for personal or classroom use is granted without fee provided that copies are not made or distributed for profit or commercial advantage and that copies bear this notice and the full citation on the first page. Copyrights for components of this work owned by others than ACM must be </a:t>
+            </a:r>
+            <a:r>
+              <a:rPr lang="en-GB" dirty="0" err="1"/>
+              <a:t>honored</a:t>
+            </a:r>
+            <a:r>
+              <a:rPr lang="en-GB" dirty="0"/>
+              <a:t>. Abstracting with credit is permitted. To copy otherwise, or republish, to post on servers or to redistribute to lists, requires prior specific permission and/or a fee. Request permissions from permissions@acm.org. KDD ’16, August 13-17, 2016, San Francisco, CA, USA c 2016 ACM. ISBN 978-1-4503-4232-2/16/08. . . $15.00 DOI: http://dx.doi.org/10.1145/2939672.2939785 problems. Besides being used as a stand-alone predictor, it is also incorporated into real-world production pipelines for ad click through rate prediction [15]. Finally, it is the </a:t>
+            </a:r>
+            <a:r>
+              <a:rPr lang="en-GB" dirty="0" err="1"/>
+              <a:t>defacto</a:t>
+            </a:r>
+            <a:r>
+              <a:rPr lang="en-GB" dirty="0"/>
+              <a:t> choice of ensemble method and is used in challenges such as the Netflix prize [3].</a:t>
+            </a:r>
+          </a:p>
+        </p:txBody>
+      </p:sp>
+    </p:spTree>
+    <p:extLst>
+      <p:ext uri="{BB962C8B-B14F-4D97-AF65-F5344CB8AC3E}">
+        <p14:creationId xmlns:p14="http://schemas.microsoft.com/office/powerpoint/2010/main" val="1693720533"/>
+      </p:ext>
+    </p:extLst>
+  </p:cSld>
+  <p:clrMapOvr>
+    <a:masterClrMapping/>
+  </p:clrMapOvr>
+</p:sld>
+</file>
+
+<file path=ppt/slides/slide5.xml><?xml version="1.0" encoding="utf-8"?>
+<p:sld xmlns:a="http://schemas.openxmlformats.org/drawingml/2006/main" xmlns:r="http://schemas.openxmlformats.org/officeDocument/2006/relationships" xmlns:p="http://schemas.openxmlformats.org/presentationml/2006/main">
+  <p:cSld>
+    <p:spTree>
+      <p:nvGrpSpPr>
+        <p:cNvPr id="1" name=""/>
+        <p:cNvGrpSpPr/>
+        <p:nvPr/>
+      </p:nvGrpSpPr>
+      <p:grpSpPr>
+        <a:xfrm>
+          <a:off x="0" y="0"/>
+          <a:ext cx="0" cy="0"/>
+          <a:chOff x="0" y="0"/>
+          <a:chExt cx="0" cy="0"/>
+        </a:xfrm>
+      </p:grpSpPr>
+      <p:sp>
+        <p:nvSpPr>
+          <p:cNvPr id="2" name="Title 1">
+            <a:extLst>
+              <a:ext uri="{FF2B5EF4-FFF2-40B4-BE49-F238E27FC236}">
+                <a16:creationId xmlns:a16="http://schemas.microsoft.com/office/drawing/2014/main" id="{0C318882-CB43-45F3-A471-CCEC3B25688C}"/>
+              </a:ext>
+            </a:extLst>
+          </p:cNvPr>
+          <p:cNvSpPr>
+            <a:spLocks noGrp="1"/>
+          </p:cNvSpPr>
+          <p:nvPr>
+            <p:ph type="title"/>
+          </p:nvPr>
+        </p:nvSpPr>
+        <p:spPr/>
+        <p:txBody>
+          <a:bodyPr/>
+          <a:lstStyle/>
+          <a:p>
+            <a:r>
+              <a:rPr lang="en-GB" dirty="0"/>
+              <a:t>We use a gradient tree boosting method called XGB (Extreme Gradient Boosting) </a:t>
+            </a:r>
+          </a:p>
+        </p:txBody>
+      </p:sp>
+      <p:pic>
+        <p:nvPicPr>
+          <p:cNvPr id="1026" name="Picture 2">
+            <a:extLst>
+              <a:ext uri="{FF2B5EF4-FFF2-40B4-BE49-F238E27FC236}">
+                <a16:creationId xmlns:a16="http://schemas.microsoft.com/office/drawing/2014/main" id="{C1C3057A-E98D-4A4C-AC91-E80CAD31CF82}"/>
+              </a:ext>
+            </a:extLst>
+          </p:cNvPr>
+          <p:cNvPicPr>
+            <a:picLocks noGrp="1" noChangeAspect="1" noChangeArrowheads="1"/>
+          </p:cNvPicPr>
+          <p:nvPr>
+            <p:ph idx="1"/>
+          </p:nvPr>
+        </p:nvPicPr>
+        <p:blipFill>
+          <a:blip r:embed="rId2">
+            <a:extLst>
+              <a:ext uri="{28A0092B-C50C-407E-A947-70E740481C1C}">
+                <a14:useLocalDpi xmlns:a14="http://schemas.microsoft.com/office/drawing/2010/main" val="0"/>
+              </a:ext>
+            </a:extLst>
+          </a:blip>
+          <a:srcRect/>
+          <a:stretch>
+            <a:fillRect/>
+          </a:stretch>
+        </p:blipFill>
+        <p:spPr bwMode="auto">
+          <a:xfrm>
+            <a:off x="2884298" y="1825625"/>
+            <a:ext cx="6423403" cy="4351338"/>
+          </a:xfrm>
+          <a:prstGeom prst="rect">
+            <a:avLst/>
+          </a:prstGeom>
+          <a:noFill/>
+          <a:extLst>
+            <a:ext uri="{909E8E84-426E-40DD-AFC4-6F175D3DCCD1}">
+              <a14:hiddenFill xmlns:a14="http://schemas.microsoft.com/office/drawing/2010/main">
+                <a:solidFill>
+                  <a:srgbClr val="FFFFFF"/>
+                </a:solidFill>
+              </a14:hiddenFill>
+            </a:ext>
+          </a:extLst>
+        </p:spPr>
+      </p:pic>
+    </p:spTree>
+    <p:extLst>
+      <p:ext uri="{BB962C8B-B14F-4D97-AF65-F5344CB8AC3E}">
+        <p14:creationId xmlns:p14="http://schemas.microsoft.com/office/powerpoint/2010/main" val="3349034366"/>
+      </p:ext>
+    </p:extLst>
+  </p:cSld>
+  <p:clrMapOvr>
+    <a:masterClrMapping/>
+  </p:clrMapOvr>
+</p:sld>
+</file>
+
+<file path=ppt/slides/slide6.xml><?xml version="1.0" encoding="utf-8"?>
+<p:sld xmlns:a="http://schemas.openxmlformats.org/drawingml/2006/main" xmlns:r="http://schemas.openxmlformats.org/officeDocument/2006/relationships" xmlns:p="http://schemas.openxmlformats.org/presentationml/2006/main">
+  <p:cSld>
+    <p:spTree>
+      <p:nvGrpSpPr>
+        <p:cNvPr id="1" name=""/>
+        <p:cNvGrpSpPr/>
+        <p:nvPr/>
+      </p:nvGrpSpPr>
+      <p:grpSpPr>
+        <a:xfrm>
+          <a:off x="0" y="0"/>
+          <a:ext cx="0" cy="0"/>
+          <a:chOff x="0" y="0"/>
+          <a:chExt cx="0" cy="0"/>
+        </a:xfrm>
+      </p:grpSpPr>
+      <p:sp>
+        <p:nvSpPr>
+          <p:cNvPr id="2" name="Title 1">
+            <a:extLst>
+              <a:ext uri="{FF2B5EF4-FFF2-40B4-BE49-F238E27FC236}">
                 <a16:creationId xmlns:a16="http://schemas.microsoft.com/office/drawing/2014/main" id="{2963734B-2A90-4F5E-874D-25D9E27B837B}"/>
               </a:ext>
             </a:extLst>
@@ -13288,7 +14510,7 @@
 </p:sld>
 </file>
 
-<file path=ppt/slides/slide5.xml><?xml version="1.0" encoding="utf-8"?>
+<file path=ppt/slides/slide7.xml><?xml version="1.0" encoding="utf-8"?>
 <p:sld xmlns:a="http://schemas.openxmlformats.org/drawingml/2006/main" xmlns:r="http://schemas.openxmlformats.org/officeDocument/2006/relationships" xmlns:p="http://schemas.openxmlformats.org/presentationml/2006/main">
   <p:cSld>
     <p:spTree>
@@ -13901,7 +15123,7 @@
 </p:sld>
 </file>
 
-<file path=ppt/slides/slide6.xml><?xml version="1.0" encoding="utf-8"?>
+<file path=ppt/slides/slide8.xml><?xml version="1.0" encoding="utf-8"?>
 <p:sld xmlns:a="http://schemas.openxmlformats.org/drawingml/2006/main" xmlns:r="http://schemas.openxmlformats.org/officeDocument/2006/relationships" xmlns:p="http://schemas.openxmlformats.org/presentationml/2006/main">
   <p:cSld>
     <p:spTree>
@@ -14399,7 +15621,7 @@
 </p:sld>
 </file>
 
-<file path=ppt/slides/slide7.xml><?xml version="1.0" encoding="utf-8"?>
+<file path=ppt/slides/slide9.xml><?xml version="1.0" encoding="utf-8"?>
 <p:sld xmlns:a="http://schemas.openxmlformats.org/drawingml/2006/main" xmlns:r="http://schemas.openxmlformats.org/officeDocument/2006/relationships" xmlns:p="http://schemas.openxmlformats.org/presentationml/2006/main">
   <p:cSld>
     <p:spTree>
@@ -14887,1000 +16109,6 @@
     <p:extLst>
       <p:ext uri="{BB962C8B-B14F-4D97-AF65-F5344CB8AC3E}">
         <p14:creationId xmlns:p14="http://schemas.microsoft.com/office/powerpoint/2010/main" val="3645867630"/>
-      </p:ext>
-    </p:extLst>
-  </p:cSld>
-  <p:clrMapOvr>
-    <a:masterClrMapping/>
-  </p:clrMapOvr>
-</p:sld>
-</file>
-
-<file path=ppt/slides/slide8.xml><?xml version="1.0" encoding="utf-8"?>
-<p:sld xmlns:a="http://schemas.openxmlformats.org/drawingml/2006/main" xmlns:r="http://schemas.openxmlformats.org/officeDocument/2006/relationships" xmlns:p="http://schemas.openxmlformats.org/presentationml/2006/main">
-  <p:cSld>
-    <p:spTree>
-      <p:nvGrpSpPr>
-        <p:cNvPr id="1" name=""/>
-        <p:cNvGrpSpPr/>
-        <p:nvPr/>
-      </p:nvGrpSpPr>
-      <p:grpSpPr>
-        <a:xfrm>
-          <a:off x="0" y="0"/>
-          <a:ext cx="0" cy="0"/>
-          <a:chOff x="0" y="0"/>
-          <a:chExt cx="0" cy="0"/>
-        </a:xfrm>
-      </p:grpSpPr>
-      <p:sp>
-        <p:nvSpPr>
-          <p:cNvPr id="2" name="Title 1">
-            <a:extLst>
-              <a:ext uri="{FF2B5EF4-FFF2-40B4-BE49-F238E27FC236}">
-                <a16:creationId xmlns:a16="http://schemas.microsoft.com/office/drawing/2014/main" id="{D5E93D64-AE6F-4DFF-BC08-68B29FCCE340}"/>
-              </a:ext>
-            </a:extLst>
-          </p:cNvPr>
-          <p:cNvSpPr>
-            <a:spLocks noGrp="1"/>
-          </p:cNvSpPr>
-          <p:nvPr>
-            <p:ph type="title"/>
-          </p:nvPr>
-        </p:nvSpPr>
-        <p:spPr/>
-        <p:txBody>
-          <a:bodyPr/>
-          <a:lstStyle/>
-          <a:p>
-            <a:r>
-              <a:rPr lang="en-GB" dirty="0"/>
-              <a:t>nuclear</a:t>
-            </a:r>
-          </a:p>
-        </p:txBody>
-      </p:sp>
-      <p:pic>
-        <p:nvPicPr>
-          <p:cNvPr id="5" name="Content Placeholder 4" descr="A picture containing chime&#10;&#10;Description automatically generated">
-            <a:extLst>
-              <a:ext uri="{FF2B5EF4-FFF2-40B4-BE49-F238E27FC236}">
-                <a16:creationId xmlns:a16="http://schemas.microsoft.com/office/drawing/2014/main" id="{BFCC71B4-0C0B-4611-9F92-FFC14D7B33ED}"/>
-              </a:ext>
-            </a:extLst>
-          </p:cNvPr>
-          <p:cNvPicPr>
-            <a:picLocks noGrp="1" noChangeAspect="1"/>
-          </p:cNvPicPr>
-          <p:nvPr>
-            <p:ph idx="1"/>
-          </p:nvPr>
-        </p:nvPicPr>
-        <p:blipFill>
-          <a:blip r:embed="rId2">
-            <a:extLst>
-              <a:ext uri="{28A0092B-C50C-407E-A947-70E740481C1C}">
-                <a14:useLocalDpi xmlns:a14="http://schemas.microsoft.com/office/drawing/2010/main" val="0"/>
-              </a:ext>
-            </a:extLst>
-          </a:blip>
-          <a:stretch>
-            <a:fillRect/>
-          </a:stretch>
-        </p:blipFill>
-        <p:spPr>
-          <a:xfrm>
-            <a:off x="405662" y="1958713"/>
-            <a:ext cx="5485714" cy="3657143"/>
-          </a:xfrm>
-        </p:spPr>
-      </p:pic>
-      <p:pic>
-        <p:nvPicPr>
-          <p:cNvPr id="7" name="Picture 6" descr="Chart&#10;&#10;Description automatically generated">
-            <a:extLst>
-              <a:ext uri="{FF2B5EF4-FFF2-40B4-BE49-F238E27FC236}">
-                <a16:creationId xmlns:a16="http://schemas.microsoft.com/office/drawing/2014/main" id="{6E32A91B-F609-47EF-A11F-2103A245B286}"/>
-              </a:ext>
-            </a:extLst>
-          </p:cNvPr>
-          <p:cNvPicPr>
-            <a:picLocks noChangeAspect="1"/>
-          </p:cNvPicPr>
-          <p:nvPr/>
-        </p:nvPicPr>
-        <p:blipFill>
-          <a:blip r:embed="rId3">
-            <a:extLst>
-              <a:ext uri="{28A0092B-C50C-407E-A947-70E740481C1C}">
-                <a14:useLocalDpi xmlns:a14="http://schemas.microsoft.com/office/drawing/2010/main" val="0"/>
-              </a:ext>
-            </a:extLst>
-          </a:blip>
-          <a:stretch>
-            <a:fillRect/>
-          </a:stretch>
-        </p:blipFill>
-        <p:spPr>
-          <a:xfrm>
-            <a:off x="6096000" y="1690688"/>
-            <a:ext cx="5485714" cy="3657143"/>
-          </a:xfrm>
-          <a:prstGeom prst="rect">
-            <a:avLst/>
-          </a:prstGeom>
-        </p:spPr>
-      </p:pic>
-      <p:graphicFrame>
-        <p:nvGraphicFramePr>
-          <p:cNvPr id="8" name="Table 7">
-            <a:extLst>
-              <a:ext uri="{FF2B5EF4-FFF2-40B4-BE49-F238E27FC236}">
-                <a16:creationId xmlns:a16="http://schemas.microsoft.com/office/drawing/2014/main" id="{7CE6A29C-184D-446A-A14B-AD54E83DAFD6}"/>
-              </a:ext>
-            </a:extLst>
-          </p:cNvPr>
-          <p:cNvGraphicFramePr>
-            <a:graphicFrameLocks noGrp="1"/>
-          </p:cNvGraphicFramePr>
-          <p:nvPr>
-            <p:extLst>
-              <p:ext uri="{D42A27DB-BD31-4B8C-83A1-F6EECF244321}">
-                <p14:modId xmlns:p14="http://schemas.microsoft.com/office/powerpoint/2010/main" val="3153438334"/>
-              </p:ext>
-            </p:extLst>
-          </p:nvPr>
-        </p:nvGraphicFramePr>
-        <p:xfrm>
-          <a:off x="4578284" y="5883881"/>
-          <a:ext cx="3657600" cy="533400"/>
-        </p:xfrm>
-        <a:graphic>
-          <a:graphicData uri="http://schemas.openxmlformats.org/drawingml/2006/table">
-            <a:tbl>
-              <a:tblPr>
-                <a:tableStyleId>{5C22544A-7EE6-4342-B048-85BDC9FD1C3A}</a:tableStyleId>
-              </a:tblPr>
-              <a:tblGrid>
-                <a:gridCol w="609600">
-                  <a:extLst>
-                    <a:ext uri="{9D8B030D-6E8A-4147-A177-3AD203B41FA5}">
-                      <a16:colId xmlns:a16="http://schemas.microsoft.com/office/drawing/2014/main" val="92701611"/>
-                    </a:ext>
-                  </a:extLst>
-                </a:gridCol>
-                <a:gridCol w="609600">
-                  <a:extLst>
-                    <a:ext uri="{9D8B030D-6E8A-4147-A177-3AD203B41FA5}">
-                      <a16:colId xmlns:a16="http://schemas.microsoft.com/office/drawing/2014/main" val="2958779066"/>
-                    </a:ext>
-                  </a:extLst>
-                </a:gridCol>
-                <a:gridCol w="609600">
-                  <a:extLst>
-                    <a:ext uri="{9D8B030D-6E8A-4147-A177-3AD203B41FA5}">
-                      <a16:colId xmlns:a16="http://schemas.microsoft.com/office/drawing/2014/main" val="1358270989"/>
-                    </a:ext>
-                  </a:extLst>
-                </a:gridCol>
-                <a:gridCol w="609600">
-                  <a:extLst>
-                    <a:ext uri="{9D8B030D-6E8A-4147-A177-3AD203B41FA5}">
-                      <a16:colId xmlns:a16="http://schemas.microsoft.com/office/drawing/2014/main" val="948138584"/>
-                    </a:ext>
-                  </a:extLst>
-                </a:gridCol>
-                <a:gridCol w="609600">
-                  <a:extLst>
-                    <a:ext uri="{9D8B030D-6E8A-4147-A177-3AD203B41FA5}">
-                      <a16:colId xmlns:a16="http://schemas.microsoft.com/office/drawing/2014/main" val="3191888280"/>
-                    </a:ext>
-                  </a:extLst>
-                </a:gridCol>
-                <a:gridCol w="609600">
-                  <a:extLst>
-                    <a:ext uri="{9D8B030D-6E8A-4147-A177-3AD203B41FA5}">
-                      <a16:colId xmlns:a16="http://schemas.microsoft.com/office/drawing/2014/main" val="3699011699"/>
-                    </a:ext>
-                  </a:extLst>
-                </a:gridCol>
-              </a:tblGrid>
-              <a:tr h="190500">
-                <a:tc>
-                  <a:txBody>
-                    <a:bodyPr/>
-                    <a:lstStyle/>
-                    <a:p>
-                      <a:pPr algn="r" fontAlgn="ctr"/>
-                      <a:r>
-                        <a:rPr lang="en-GB" sz="1000" u="none" strike="noStrike">
-                          <a:effectLst/>
-                        </a:rPr>
-                        <a:t> </a:t>
-                      </a:r>
-                      <a:endParaRPr lang="en-GB" sz="1000" b="0" i="0" u="none" strike="noStrike">
-                        <a:solidFill>
-                          <a:srgbClr val="000000"/>
-                        </a:solidFill>
-                        <a:effectLst/>
-                        <a:latin typeface="Times New Roman" panose="02020603050405020304" pitchFamily="18" charset="0"/>
-                      </a:endParaRPr>
-                    </a:p>
-                  </a:txBody>
-                  <a:tcPr marL="7620" marR="7620" marT="7620" marB="0" anchor="ctr"/>
-                </a:tc>
-                <a:tc>
-                  <a:txBody>
-                    <a:bodyPr/>
-                    <a:lstStyle/>
-                    <a:p>
-                      <a:pPr algn="r" fontAlgn="ctr"/>
-                      <a:r>
-                        <a:rPr lang="en-GB" sz="1000" u="none" strike="noStrike">
-                          <a:effectLst/>
-                        </a:rPr>
-                        <a:t>Mean</a:t>
-                      </a:r>
-                      <a:endParaRPr lang="en-GB" sz="1000" b="0" i="0" u="none" strike="noStrike">
-                        <a:solidFill>
-                          <a:srgbClr val="000000"/>
-                        </a:solidFill>
-                        <a:effectLst/>
-                        <a:latin typeface="Times New Roman" panose="02020603050405020304" pitchFamily="18" charset="0"/>
-                      </a:endParaRPr>
-                    </a:p>
-                  </a:txBody>
-                  <a:tcPr marL="7620" marR="7620" marT="7620" marB="0" anchor="ctr"/>
-                </a:tc>
-                <a:tc>
-                  <a:txBody>
-                    <a:bodyPr/>
-                    <a:lstStyle/>
-                    <a:p>
-                      <a:pPr algn="r" fontAlgn="ctr"/>
-                      <a:r>
-                        <a:rPr lang="en-GB" sz="1000" u="none" strike="noStrike">
-                          <a:effectLst/>
-                        </a:rPr>
-                        <a:t>Std</a:t>
-                      </a:r>
-                      <a:endParaRPr lang="en-GB" sz="1000" b="0" i="0" u="none" strike="noStrike">
-                        <a:solidFill>
-                          <a:srgbClr val="000000"/>
-                        </a:solidFill>
-                        <a:effectLst/>
-                        <a:latin typeface="Times New Roman" panose="02020603050405020304" pitchFamily="18" charset="0"/>
-                      </a:endParaRPr>
-                    </a:p>
-                  </a:txBody>
-                  <a:tcPr marL="7620" marR="7620" marT="7620" marB="0" anchor="ctr"/>
-                </a:tc>
-                <a:tc>
-                  <a:txBody>
-                    <a:bodyPr/>
-                    <a:lstStyle/>
-                    <a:p>
-                      <a:pPr algn="r" fontAlgn="ctr"/>
-                      <a:r>
-                        <a:rPr lang="en-GB" sz="1000" u="none" strike="noStrike">
-                          <a:effectLst/>
-                        </a:rPr>
-                        <a:t>Skew</a:t>
-                      </a:r>
-                      <a:endParaRPr lang="en-GB" sz="1000" b="0" i="0" u="none" strike="noStrike">
-                        <a:solidFill>
-                          <a:srgbClr val="000000"/>
-                        </a:solidFill>
-                        <a:effectLst/>
-                        <a:latin typeface="Times New Roman" panose="02020603050405020304" pitchFamily="18" charset="0"/>
-                      </a:endParaRPr>
-                    </a:p>
-                  </a:txBody>
-                  <a:tcPr marL="7620" marR="7620" marT="7620" marB="0" anchor="ctr"/>
-                </a:tc>
-                <a:tc>
-                  <a:txBody>
-                    <a:bodyPr/>
-                    <a:lstStyle/>
-                    <a:p>
-                      <a:pPr algn="r" fontAlgn="ctr"/>
-                      <a:r>
-                        <a:rPr lang="en-GB" sz="1000" u="none" strike="noStrike">
-                          <a:effectLst/>
-                        </a:rPr>
-                        <a:t>Kurtosis</a:t>
-                      </a:r>
-                      <a:endParaRPr lang="en-GB" sz="1000" b="0" i="0" u="none" strike="noStrike">
-                        <a:solidFill>
-                          <a:srgbClr val="000000"/>
-                        </a:solidFill>
-                        <a:effectLst/>
-                        <a:latin typeface="Times New Roman" panose="02020603050405020304" pitchFamily="18" charset="0"/>
-                      </a:endParaRPr>
-                    </a:p>
-                  </a:txBody>
-                  <a:tcPr marL="7620" marR="7620" marT="7620" marB="0" anchor="ctr"/>
-                </a:tc>
-                <a:tc>
-                  <a:txBody>
-                    <a:bodyPr/>
-                    <a:lstStyle/>
-                    <a:p>
-                      <a:pPr algn="r" fontAlgn="ctr"/>
-                      <a:r>
-                        <a:rPr lang="en-GB" sz="1000" u="none" strike="noStrike">
-                          <a:effectLst/>
-                        </a:rPr>
-                        <a:t>Variation</a:t>
-                      </a:r>
-                      <a:endParaRPr lang="en-GB" sz="1000" b="0" i="0" u="none" strike="noStrike">
-                        <a:solidFill>
-                          <a:srgbClr val="000000"/>
-                        </a:solidFill>
-                        <a:effectLst/>
-                        <a:latin typeface="Times New Roman" panose="02020603050405020304" pitchFamily="18" charset="0"/>
-                      </a:endParaRPr>
-                    </a:p>
-                  </a:txBody>
-                  <a:tcPr marL="7620" marR="7620" marT="7620" marB="0" anchor="ctr"/>
-                </a:tc>
-                <a:extLst>
-                  <a:ext uri="{0D108BD9-81ED-4DB2-BD59-A6C34878D82A}">
-                    <a16:rowId xmlns:a16="http://schemas.microsoft.com/office/drawing/2014/main" val="3075935897"/>
-                  </a:ext>
-                </a:extLst>
-              </a:tr>
-              <a:tr h="342900">
-                <a:tc>
-                  <a:txBody>
-                    <a:bodyPr/>
-                    <a:lstStyle/>
-                    <a:p>
-                      <a:pPr algn="r" fontAlgn="ctr"/>
-                      <a:r>
-                        <a:rPr lang="en-GB" sz="1000" u="none" strike="noStrike">
-                          <a:effectLst/>
-                        </a:rPr>
-                        <a:t>Nuclear</a:t>
-                      </a:r>
-                      <a:endParaRPr lang="en-GB" sz="1000" b="0" i="0" u="none" strike="noStrike">
-                        <a:solidFill>
-                          <a:srgbClr val="000000"/>
-                        </a:solidFill>
-                        <a:effectLst/>
-                        <a:latin typeface="Times New Roman" panose="02020603050405020304" pitchFamily="18" charset="0"/>
-                      </a:endParaRPr>
-                    </a:p>
-                  </a:txBody>
-                  <a:tcPr marL="7620" marR="7620" marT="7620" marB="0" anchor="ctr"/>
-                </a:tc>
-                <a:tc>
-                  <a:txBody>
-                    <a:bodyPr/>
-                    <a:lstStyle/>
-                    <a:p>
-                      <a:pPr algn="r" fontAlgn="ctr"/>
-                      <a:r>
-                        <a:rPr lang="en-GB" sz="1000" u="none" strike="noStrike">
-                          <a:effectLst/>
-                        </a:rPr>
-                        <a:t>1319</a:t>
-                      </a:r>
-                      <a:endParaRPr lang="en-GB" sz="1000" b="0" i="0" u="none" strike="noStrike">
-                        <a:solidFill>
-                          <a:srgbClr val="000000"/>
-                        </a:solidFill>
-                        <a:effectLst/>
-                        <a:latin typeface="Times New Roman" panose="02020603050405020304" pitchFamily="18" charset="0"/>
-                      </a:endParaRPr>
-                    </a:p>
-                  </a:txBody>
-                  <a:tcPr marL="7620" marR="7620" marT="7620" marB="0" anchor="ctr"/>
-                </a:tc>
-                <a:tc>
-                  <a:txBody>
-                    <a:bodyPr/>
-                    <a:lstStyle/>
-                    <a:p>
-                      <a:pPr algn="r" fontAlgn="ctr"/>
-                      <a:r>
-                        <a:rPr lang="en-GB" sz="1000" u="none" strike="noStrike">
-                          <a:effectLst/>
-                        </a:rPr>
-                        <a:t>224</a:t>
-                      </a:r>
-                      <a:endParaRPr lang="en-GB" sz="1000" b="0" i="0" u="none" strike="noStrike">
-                        <a:solidFill>
-                          <a:srgbClr val="000000"/>
-                        </a:solidFill>
-                        <a:effectLst/>
-                        <a:latin typeface="Times New Roman" panose="02020603050405020304" pitchFamily="18" charset="0"/>
-                      </a:endParaRPr>
-                    </a:p>
-                  </a:txBody>
-                  <a:tcPr marL="7620" marR="7620" marT="7620" marB="0" anchor="ctr"/>
-                </a:tc>
-                <a:tc>
-                  <a:txBody>
-                    <a:bodyPr/>
-                    <a:lstStyle/>
-                    <a:p>
-                      <a:pPr algn="r" fontAlgn="ctr"/>
-                      <a:r>
-                        <a:rPr lang="en-GB" sz="1000" u="none" strike="noStrike">
-                          <a:effectLst/>
-                        </a:rPr>
-                        <a:t>-2.48</a:t>
-                      </a:r>
-                      <a:endParaRPr lang="en-GB" sz="1000" b="0" i="0" u="none" strike="noStrike">
-                        <a:solidFill>
-                          <a:srgbClr val="000000"/>
-                        </a:solidFill>
-                        <a:effectLst/>
-                        <a:latin typeface="Times New Roman" panose="02020603050405020304" pitchFamily="18" charset="0"/>
-                      </a:endParaRPr>
-                    </a:p>
-                  </a:txBody>
-                  <a:tcPr marL="7620" marR="7620" marT="7620" marB="0" anchor="ctr"/>
-                </a:tc>
-                <a:tc>
-                  <a:txBody>
-                    <a:bodyPr/>
-                    <a:lstStyle/>
-                    <a:p>
-                      <a:pPr algn="r" fontAlgn="ctr"/>
-                      <a:r>
-                        <a:rPr lang="en-GB" sz="1000" u="none" strike="noStrike">
-                          <a:effectLst/>
-                        </a:rPr>
-                        <a:t>4.68</a:t>
-                      </a:r>
-                      <a:endParaRPr lang="en-GB" sz="1000" b="0" i="0" u="none" strike="noStrike">
-                        <a:solidFill>
-                          <a:srgbClr val="000000"/>
-                        </a:solidFill>
-                        <a:effectLst/>
-                        <a:latin typeface="Times New Roman" panose="02020603050405020304" pitchFamily="18" charset="0"/>
-                      </a:endParaRPr>
-                    </a:p>
-                  </a:txBody>
-                  <a:tcPr marL="7620" marR="7620" marT="7620" marB="0" anchor="ctr"/>
-                </a:tc>
-                <a:tc>
-                  <a:txBody>
-                    <a:bodyPr/>
-                    <a:lstStyle/>
-                    <a:p>
-                      <a:pPr algn="r" fontAlgn="ctr"/>
-                      <a:r>
-                        <a:rPr lang="en-GB" sz="1000" u="none" strike="noStrike" dirty="0">
-                          <a:effectLst/>
-                        </a:rPr>
-                        <a:t>0.17</a:t>
-                      </a:r>
-                      <a:endParaRPr lang="en-GB" sz="1000" b="0" i="0" u="none" strike="noStrike" dirty="0">
-                        <a:solidFill>
-                          <a:srgbClr val="000000"/>
-                        </a:solidFill>
-                        <a:effectLst/>
-                        <a:latin typeface="Times New Roman" panose="02020603050405020304" pitchFamily="18" charset="0"/>
-                      </a:endParaRPr>
-                    </a:p>
-                  </a:txBody>
-                  <a:tcPr marL="7620" marR="7620" marT="7620" marB="0" anchor="ctr"/>
-                </a:tc>
-                <a:extLst>
-                  <a:ext uri="{0D108BD9-81ED-4DB2-BD59-A6C34878D82A}">
-                    <a16:rowId xmlns:a16="http://schemas.microsoft.com/office/drawing/2014/main" val="552024678"/>
-                  </a:ext>
-                </a:extLst>
-              </a:tr>
-            </a:tbl>
-          </a:graphicData>
-        </a:graphic>
-      </p:graphicFrame>
-    </p:spTree>
-    <p:extLst>
-      <p:ext uri="{BB962C8B-B14F-4D97-AF65-F5344CB8AC3E}">
-        <p14:creationId xmlns:p14="http://schemas.microsoft.com/office/powerpoint/2010/main" val="1388034715"/>
-      </p:ext>
-    </p:extLst>
-  </p:cSld>
-  <p:clrMapOvr>
-    <a:masterClrMapping/>
-  </p:clrMapOvr>
-</p:sld>
-</file>
-
-<file path=ppt/slides/slide9.xml><?xml version="1.0" encoding="utf-8"?>
-<p:sld xmlns:a="http://schemas.openxmlformats.org/drawingml/2006/main" xmlns:r="http://schemas.openxmlformats.org/officeDocument/2006/relationships" xmlns:p="http://schemas.openxmlformats.org/presentationml/2006/main">
-  <p:cSld>
-    <p:spTree>
-      <p:nvGrpSpPr>
-        <p:cNvPr id="1" name=""/>
-        <p:cNvGrpSpPr/>
-        <p:nvPr/>
-      </p:nvGrpSpPr>
-      <p:grpSpPr>
-        <a:xfrm>
-          <a:off x="0" y="0"/>
-          <a:ext cx="0" cy="0"/>
-          <a:chOff x="0" y="0"/>
-          <a:chExt cx="0" cy="0"/>
-        </a:xfrm>
-      </p:grpSpPr>
-      <p:sp>
-        <p:nvSpPr>
-          <p:cNvPr id="2" name="Title 1">
-            <a:extLst>
-              <a:ext uri="{FF2B5EF4-FFF2-40B4-BE49-F238E27FC236}">
-                <a16:creationId xmlns:a16="http://schemas.microsoft.com/office/drawing/2014/main" id="{02A26DCF-D20C-42BB-8650-D31BCB9104F0}"/>
-              </a:ext>
-            </a:extLst>
-          </p:cNvPr>
-          <p:cNvSpPr>
-            <a:spLocks noGrp="1"/>
-          </p:cNvSpPr>
-          <p:nvPr>
-            <p:ph type="title"/>
-          </p:nvPr>
-        </p:nvSpPr>
-        <p:spPr/>
-        <p:txBody>
-          <a:bodyPr/>
-          <a:lstStyle/>
-          <a:p>
-            <a:r>
-              <a:rPr lang="en-GB" dirty="0"/>
-              <a:t>wind</a:t>
-            </a:r>
-          </a:p>
-        </p:txBody>
-      </p:sp>
-      <p:pic>
-        <p:nvPicPr>
-          <p:cNvPr id="5" name="Content Placeholder 4" descr="Chart, histogram&#10;&#10;Description automatically generated">
-            <a:extLst>
-              <a:ext uri="{FF2B5EF4-FFF2-40B4-BE49-F238E27FC236}">
-                <a16:creationId xmlns:a16="http://schemas.microsoft.com/office/drawing/2014/main" id="{6198FE7A-147F-4FC8-AB32-87CA191A7A14}"/>
-              </a:ext>
-            </a:extLst>
-          </p:cNvPr>
-          <p:cNvPicPr>
-            <a:picLocks noGrp="1" noChangeAspect="1"/>
-          </p:cNvPicPr>
-          <p:nvPr>
-            <p:ph idx="1"/>
-          </p:nvPr>
-        </p:nvPicPr>
-        <p:blipFill>
-          <a:blip r:embed="rId2">
-            <a:extLst>
-              <a:ext uri="{28A0092B-C50C-407E-A947-70E740481C1C}">
-                <a14:useLocalDpi xmlns:a14="http://schemas.microsoft.com/office/drawing/2010/main" val="0"/>
-              </a:ext>
-            </a:extLst>
-          </a:blip>
-          <a:stretch>
-            <a:fillRect/>
-          </a:stretch>
-        </p:blipFill>
-        <p:spPr>
-          <a:xfrm>
-            <a:off x="493211" y="1690688"/>
-            <a:ext cx="5485714" cy="3657143"/>
-          </a:xfrm>
-        </p:spPr>
-      </p:pic>
-      <p:pic>
-        <p:nvPicPr>
-          <p:cNvPr id="7" name="Picture 6" descr="A picture containing shape&#10;&#10;Description automatically generated">
-            <a:extLst>
-              <a:ext uri="{FF2B5EF4-FFF2-40B4-BE49-F238E27FC236}">
-                <a16:creationId xmlns:a16="http://schemas.microsoft.com/office/drawing/2014/main" id="{C8786C44-3894-48AB-BBF0-0810ADC29349}"/>
-              </a:ext>
-            </a:extLst>
-          </p:cNvPr>
-          <p:cNvPicPr>
-            <a:picLocks noChangeAspect="1"/>
-          </p:cNvPicPr>
-          <p:nvPr/>
-        </p:nvPicPr>
-        <p:blipFill>
-          <a:blip r:embed="rId3">
-            <a:extLst>
-              <a:ext uri="{28A0092B-C50C-407E-A947-70E740481C1C}">
-                <a14:useLocalDpi xmlns:a14="http://schemas.microsoft.com/office/drawing/2010/main" val="0"/>
-              </a:ext>
-            </a:extLst>
-          </a:blip>
-          <a:stretch>
-            <a:fillRect/>
-          </a:stretch>
-        </p:blipFill>
-        <p:spPr>
-          <a:xfrm>
-            <a:off x="6096000" y="1425330"/>
-            <a:ext cx="5485714" cy="3657143"/>
-          </a:xfrm>
-          <a:prstGeom prst="rect">
-            <a:avLst/>
-          </a:prstGeom>
-        </p:spPr>
-      </p:pic>
-      <p:graphicFrame>
-        <p:nvGraphicFramePr>
-          <p:cNvPr id="8" name="Table 7">
-            <a:extLst>
-              <a:ext uri="{FF2B5EF4-FFF2-40B4-BE49-F238E27FC236}">
-                <a16:creationId xmlns:a16="http://schemas.microsoft.com/office/drawing/2014/main" id="{83949452-33A9-4FF1-B0CE-407BCD75895F}"/>
-              </a:ext>
-            </a:extLst>
-          </p:cNvPr>
-          <p:cNvGraphicFramePr>
-            <a:graphicFrameLocks noGrp="1"/>
-          </p:cNvGraphicFramePr>
-          <p:nvPr>
-            <p:extLst>
-              <p:ext uri="{D42A27DB-BD31-4B8C-83A1-F6EECF244321}">
-                <p14:modId xmlns:p14="http://schemas.microsoft.com/office/powerpoint/2010/main" val="2590664279"/>
-              </p:ext>
-            </p:extLst>
-          </p:nvPr>
-        </p:nvGraphicFramePr>
-        <p:xfrm>
-          <a:off x="4150125" y="5874636"/>
-          <a:ext cx="3657600" cy="533400"/>
-        </p:xfrm>
-        <a:graphic>
-          <a:graphicData uri="http://schemas.openxmlformats.org/drawingml/2006/table">
-            <a:tbl>
-              <a:tblPr>
-                <a:tableStyleId>{5C22544A-7EE6-4342-B048-85BDC9FD1C3A}</a:tableStyleId>
-              </a:tblPr>
-              <a:tblGrid>
-                <a:gridCol w="609600">
-                  <a:extLst>
-                    <a:ext uri="{9D8B030D-6E8A-4147-A177-3AD203B41FA5}">
-                      <a16:colId xmlns:a16="http://schemas.microsoft.com/office/drawing/2014/main" val="3285469061"/>
-                    </a:ext>
-                  </a:extLst>
-                </a:gridCol>
-                <a:gridCol w="609600">
-                  <a:extLst>
-                    <a:ext uri="{9D8B030D-6E8A-4147-A177-3AD203B41FA5}">
-                      <a16:colId xmlns:a16="http://schemas.microsoft.com/office/drawing/2014/main" val="2043546227"/>
-                    </a:ext>
-                  </a:extLst>
-                </a:gridCol>
-                <a:gridCol w="609600">
-                  <a:extLst>
-                    <a:ext uri="{9D8B030D-6E8A-4147-A177-3AD203B41FA5}">
-                      <a16:colId xmlns:a16="http://schemas.microsoft.com/office/drawing/2014/main" val="1205320093"/>
-                    </a:ext>
-                  </a:extLst>
-                </a:gridCol>
-                <a:gridCol w="609600">
-                  <a:extLst>
-                    <a:ext uri="{9D8B030D-6E8A-4147-A177-3AD203B41FA5}">
-                      <a16:colId xmlns:a16="http://schemas.microsoft.com/office/drawing/2014/main" val="2174962546"/>
-                    </a:ext>
-                  </a:extLst>
-                </a:gridCol>
-                <a:gridCol w="609600">
-                  <a:extLst>
-                    <a:ext uri="{9D8B030D-6E8A-4147-A177-3AD203B41FA5}">
-                      <a16:colId xmlns:a16="http://schemas.microsoft.com/office/drawing/2014/main" val="3885759530"/>
-                    </a:ext>
-                  </a:extLst>
-                </a:gridCol>
-                <a:gridCol w="609600">
-                  <a:extLst>
-                    <a:ext uri="{9D8B030D-6E8A-4147-A177-3AD203B41FA5}">
-                      <a16:colId xmlns:a16="http://schemas.microsoft.com/office/drawing/2014/main" val="3833483427"/>
-                    </a:ext>
-                  </a:extLst>
-                </a:gridCol>
-              </a:tblGrid>
-              <a:tr h="342900">
-                <a:tc>
-                  <a:txBody>
-                    <a:bodyPr/>
-                    <a:lstStyle/>
-                    <a:p>
-                      <a:pPr algn="r" fontAlgn="ctr"/>
-                      <a:r>
-                        <a:rPr lang="en-GB" sz="1000" u="none" strike="noStrike">
-                          <a:effectLst/>
-                        </a:rPr>
-                        <a:t> </a:t>
-                      </a:r>
-                      <a:endParaRPr lang="en-GB" sz="1000" b="0" i="0" u="none" strike="noStrike">
-                        <a:solidFill>
-                          <a:srgbClr val="000000"/>
-                        </a:solidFill>
-                        <a:effectLst/>
-                        <a:latin typeface="Times New Roman" panose="02020603050405020304" pitchFamily="18" charset="0"/>
-                      </a:endParaRPr>
-                    </a:p>
-                  </a:txBody>
-                  <a:tcPr marL="7620" marR="7620" marT="7620" marB="0" anchor="ctr"/>
-                </a:tc>
-                <a:tc>
-                  <a:txBody>
-                    <a:bodyPr/>
-                    <a:lstStyle/>
-                    <a:p>
-                      <a:pPr algn="r" fontAlgn="ctr"/>
-                      <a:r>
-                        <a:rPr lang="en-GB" sz="1000" u="none" strike="noStrike">
-                          <a:effectLst/>
-                        </a:rPr>
-                        <a:t>Mean</a:t>
-                      </a:r>
-                      <a:endParaRPr lang="en-GB" sz="1000" b="0" i="0" u="none" strike="noStrike">
-                        <a:solidFill>
-                          <a:srgbClr val="000000"/>
-                        </a:solidFill>
-                        <a:effectLst/>
-                        <a:latin typeface="Times New Roman" panose="02020603050405020304" pitchFamily="18" charset="0"/>
-                      </a:endParaRPr>
-                    </a:p>
-                  </a:txBody>
-                  <a:tcPr marL="7620" marR="7620" marT="7620" marB="0" anchor="ctr"/>
-                </a:tc>
-                <a:tc>
-                  <a:txBody>
-                    <a:bodyPr/>
-                    <a:lstStyle/>
-                    <a:p>
-                      <a:pPr algn="r" fontAlgn="ctr"/>
-                      <a:r>
-                        <a:rPr lang="en-GB" sz="1000" u="none" strike="noStrike">
-                          <a:effectLst/>
-                        </a:rPr>
-                        <a:t>Std</a:t>
-                      </a:r>
-                      <a:endParaRPr lang="en-GB" sz="1000" b="0" i="0" u="none" strike="noStrike">
-                        <a:solidFill>
-                          <a:srgbClr val="000000"/>
-                        </a:solidFill>
-                        <a:effectLst/>
-                        <a:latin typeface="Times New Roman" panose="02020603050405020304" pitchFamily="18" charset="0"/>
-                      </a:endParaRPr>
-                    </a:p>
-                  </a:txBody>
-                  <a:tcPr marL="7620" marR="7620" marT="7620" marB="0" anchor="ctr"/>
-                </a:tc>
-                <a:tc>
-                  <a:txBody>
-                    <a:bodyPr/>
-                    <a:lstStyle/>
-                    <a:p>
-                      <a:pPr algn="r" fontAlgn="ctr"/>
-                      <a:r>
-                        <a:rPr lang="en-GB" sz="1000" u="none" strike="noStrike">
-                          <a:effectLst/>
-                        </a:rPr>
-                        <a:t>Skew</a:t>
-                      </a:r>
-                      <a:endParaRPr lang="en-GB" sz="1000" b="0" i="0" u="none" strike="noStrike">
-                        <a:solidFill>
-                          <a:srgbClr val="000000"/>
-                        </a:solidFill>
-                        <a:effectLst/>
-                        <a:latin typeface="Times New Roman" panose="02020603050405020304" pitchFamily="18" charset="0"/>
-                      </a:endParaRPr>
-                    </a:p>
-                  </a:txBody>
-                  <a:tcPr marL="7620" marR="7620" marT="7620" marB="0" anchor="ctr"/>
-                </a:tc>
-                <a:tc>
-                  <a:txBody>
-                    <a:bodyPr/>
-                    <a:lstStyle/>
-                    <a:p>
-                      <a:pPr algn="r" fontAlgn="ctr"/>
-                      <a:r>
-                        <a:rPr lang="en-GB" sz="1000" u="none" strike="noStrike">
-                          <a:effectLst/>
-                        </a:rPr>
-                        <a:t>Kurtosis</a:t>
-                      </a:r>
-                      <a:endParaRPr lang="en-GB" sz="1000" b="0" i="0" u="none" strike="noStrike">
-                        <a:solidFill>
-                          <a:srgbClr val="000000"/>
-                        </a:solidFill>
-                        <a:effectLst/>
-                        <a:latin typeface="Times New Roman" panose="02020603050405020304" pitchFamily="18" charset="0"/>
-                      </a:endParaRPr>
-                    </a:p>
-                  </a:txBody>
-                  <a:tcPr marL="7620" marR="7620" marT="7620" marB="0" anchor="ctr"/>
-                </a:tc>
-                <a:tc>
-                  <a:txBody>
-                    <a:bodyPr/>
-                    <a:lstStyle/>
-                    <a:p>
-                      <a:pPr algn="r" fontAlgn="ctr"/>
-                      <a:r>
-                        <a:rPr lang="en-GB" sz="1000" u="none" strike="noStrike">
-                          <a:effectLst/>
-                        </a:rPr>
-                        <a:t>Variation</a:t>
-                      </a:r>
-                      <a:endParaRPr lang="en-GB" sz="1000" b="0" i="0" u="none" strike="noStrike">
-                        <a:solidFill>
-                          <a:srgbClr val="000000"/>
-                        </a:solidFill>
-                        <a:effectLst/>
-                        <a:latin typeface="Times New Roman" panose="02020603050405020304" pitchFamily="18" charset="0"/>
-                      </a:endParaRPr>
-                    </a:p>
-                  </a:txBody>
-                  <a:tcPr marL="7620" marR="7620" marT="7620" marB="0" anchor="ctr"/>
-                </a:tc>
-                <a:extLst>
-                  <a:ext uri="{0D108BD9-81ED-4DB2-BD59-A6C34878D82A}">
-                    <a16:rowId xmlns:a16="http://schemas.microsoft.com/office/drawing/2014/main" val="861539776"/>
-                  </a:ext>
-                </a:extLst>
-              </a:tr>
-              <a:tr h="190500">
-                <a:tc>
-                  <a:txBody>
-                    <a:bodyPr/>
-                    <a:lstStyle/>
-                    <a:p>
-                      <a:pPr algn="r" fontAlgn="ctr"/>
-                      <a:r>
-                        <a:rPr lang="en-GB" sz="1000" u="none" strike="noStrike">
-                          <a:effectLst/>
-                        </a:rPr>
-                        <a:t>Wind</a:t>
-                      </a:r>
-                      <a:endParaRPr lang="en-GB" sz="1000" b="0" i="0" u="none" strike="noStrike">
-                        <a:solidFill>
-                          <a:srgbClr val="000000"/>
-                        </a:solidFill>
-                        <a:effectLst/>
-                        <a:latin typeface="Times New Roman" panose="02020603050405020304" pitchFamily="18" charset="0"/>
-                      </a:endParaRPr>
-                    </a:p>
-                  </a:txBody>
-                  <a:tcPr marL="7620" marR="7620" marT="7620" marB="0" anchor="ctr"/>
-                </a:tc>
-                <a:tc>
-                  <a:txBody>
-                    <a:bodyPr/>
-                    <a:lstStyle/>
-                    <a:p>
-                      <a:pPr algn="r" fontAlgn="ctr"/>
-                      <a:r>
-                        <a:rPr lang="en-GB" sz="1000" u="none" strike="noStrike">
-                          <a:effectLst/>
-                        </a:rPr>
-                        <a:t>488</a:t>
-                      </a:r>
-                      <a:endParaRPr lang="en-GB" sz="1000" b="0" i="0" u="none" strike="noStrike">
-                        <a:solidFill>
-                          <a:srgbClr val="000000"/>
-                        </a:solidFill>
-                        <a:effectLst/>
-                        <a:latin typeface="Times New Roman" panose="02020603050405020304" pitchFamily="18" charset="0"/>
-                      </a:endParaRPr>
-                    </a:p>
-                  </a:txBody>
-                  <a:tcPr marL="7620" marR="7620" marT="7620" marB="0" anchor="ctr"/>
-                </a:tc>
-                <a:tc>
-                  <a:txBody>
-                    <a:bodyPr/>
-                    <a:lstStyle/>
-                    <a:p>
-                      <a:pPr algn="r" fontAlgn="ctr"/>
-                      <a:r>
-                        <a:rPr lang="en-GB" sz="1000" u="none" strike="noStrike">
-                          <a:effectLst/>
-                        </a:rPr>
-                        <a:t>618</a:t>
-                      </a:r>
-                      <a:endParaRPr lang="en-GB" sz="1000" b="0" i="0" u="none" strike="noStrike">
-                        <a:solidFill>
-                          <a:srgbClr val="000000"/>
-                        </a:solidFill>
-                        <a:effectLst/>
-                        <a:latin typeface="Times New Roman" panose="02020603050405020304" pitchFamily="18" charset="0"/>
-                      </a:endParaRPr>
-                    </a:p>
-                  </a:txBody>
-                  <a:tcPr marL="7620" marR="7620" marT="7620" marB="0" anchor="ctr"/>
-                </a:tc>
-                <a:tc>
-                  <a:txBody>
-                    <a:bodyPr/>
-                    <a:lstStyle/>
-                    <a:p>
-                      <a:pPr algn="r" fontAlgn="ctr"/>
-                      <a:r>
-                        <a:rPr lang="en-GB" sz="1000" u="none" strike="noStrike">
-                          <a:effectLst/>
-                        </a:rPr>
-                        <a:t>1.49</a:t>
-                      </a:r>
-                      <a:endParaRPr lang="en-GB" sz="1000" b="0" i="0" u="none" strike="noStrike">
-                        <a:solidFill>
-                          <a:srgbClr val="000000"/>
-                        </a:solidFill>
-                        <a:effectLst/>
-                        <a:latin typeface="Times New Roman" panose="02020603050405020304" pitchFamily="18" charset="0"/>
-                      </a:endParaRPr>
-                    </a:p>
-                  </a:txBody>
-                  <a:tcPr marL="7620" marR="7620" marT="7620" marB="0" anchor="ctr"/>
-                </a:tc>
-                <a:tc>
-                  <a:txBody>
-                    <a:bodyPr/>
-                    <a:lstStyle/>
-                    <a:p>
-                      <a:pPr algn="r" fontAlgn="ctr"/>
-                      <a:r>
-                        <a:rPr lang="en-GB" sz="1000" u="none" strike="noStrike">
-                          <a:effectLst/>
-                        </a:rPr>
-                        <a:t>1.49</a:t>
-                      </a:r>
-                      <a:endParaRPr lang="en-GB" sz="1000" b="0" i="0" u="none" strike="noStrike">
-                        <a:solidFill>
-                          <a:srgbClr val="000000"/>
-                        </a:solidFill>
-                        <a:effectLst/>
-                        <a:latin typeface="Times New Roman" panose="02020603050405020304" pitchFamily="18" charset="0"/>
-                      </a:endParaRPr>
-                    </a:p>
-                  </a:txBody>
-                  <a:tcPr marL="7620" marR="7620" marT="7620" marB="0" anchor="ctr"/>
-                </a:tc>
-                <a:tc>
-                  <a:txBody>
-                    <a:bodyPr/>
-                    <a:lstStyle/>
-                    <a:p>
-                      <a:pPr algn="r" fontAlgn="ctr"/>
-                      <a:r>
-                        <a:rPr lang="en-GB" sz="1000" u="none" strike="noStrike" dirty="0">
-                          <a:effectLst/>
-                        </a:rPr>
-                        <a:t>1.26</a:t>
-                      </a:r>
-                      <a:endParaRPr lang="en-GB" sz="1000" b="0" i="0" u="none" strike="noStrike" dirty="0">
-                        <a:solidFill>
-                          <a:srgbClr val="000000"/>
-                        </a:solidFill>
-                        <a:effectLst/>
-                        <a:latin typeface="Times New Roman" panose="02020603050405020304" pitchFamily="18" charset="0"/>
-                      </a:endParaRPr>
-                    </a:p>
-                  </a:txBody>
-                  <a:tcPr marL="7620" marR="7620" marT="7620" marB="0" anchor="ctr"/>
-                </a:tc>
-                <a:extLst>
-                  <a:ext uri="{0D108BD9-81ED-4DB2-BD59-A6C34878D82A}">
-                    <a16:rowId xmlns:a16="http://schemas.microsoft.com/office/drawing/2014/main" val="1389576748"/>
-                  </a:ext>
-                </a:extLst>
-              </a:tr>
-            </a:tbl>
-          </a:graphicData>
-        </a:graphic>
-      </p:graphicFrame>
-    </p:spTree>
-    <p:extLst>
-      <p:ext uri="{BB962C8B-B14F-4D97-AF65-F5344CB8AC3E}">
-        <p14:creationId xmlns:p14="http://schemas.microsoft.com/office/powerpoint/2010/main" val="3807903693"/>
       </p:ext>
     </p:extLst>
   </p:cSld>
